--- a/Mytouch移动web开发框架介绍.pptx
+++ b/Mytouch移动web开发框架介绍.pptx
@@ -11,14 +11,14 @@
     <p:sldId id="256" r:id="rId2"/>
     <p:sldId id="257" r:id="rId3"/>
     <p:sldId id="258" r:id="rId4"/>
-    <p:sldId id="265" r:id="rId5"/>
-    <p:sldId id="259" r:id="rId6"/>
-    <p:sldId id="261" r:id="rId7"/>
-    <p:sldId id="260" r:id="rId8"/>
-    <p:sldId id="262" r:id="rId9"/>
-    <p:sldId id="266" r:id="rId10"/>
-    <p:sldId id="263" r:id="rId11"/>
-    <p:sldId id="264" r:id="rId12"/>
+    <p:sldId id="266" r:id="rId5"/>
+    <p:sldId id="263" r:id="rId6"/>
+    <p:sldId id="265" r:id="rId7"/>
+    <p:sldId id="259" r:id="rId8"/>
+    <p:sldId id="261" r:id="rId9"/>
+    <p:sldId id="260" r:id="rId10"/>
+    <p:sldId id="262" r:id="rId11"/>
+    <p:sldId id="267" r:id="rId12"/>
   </p:sldIdLst>
   <p:sldSz cx="9144000" cy="6858000" type="screen4x3"/>
   <p:notesSz cx="6858000" cy="9144000"/>
@@ -202,7 +202,7 @@
           <a:p>
             <a:fld id="{86CA536F-8411-44B7-8C0B-11582E8F5E7F}" type="datetimeFigureOut">
               <a:rPr lang="zh-CN" altLang="en-US" smtClean="0"/>
-              <a:t>2013/4/18</a:t>
+              <a:t>2013/5/15</a:t>
             </a:fld>
             <a:endParaRPr lang="zh-CN" altLang="en-US"/>
           </a:p>
@@ -718,26 +718,6 @@
           <a:bodyPr/>
           <a:lstStyle/>
           <a:p>
-            <a:r>
-              <a:rPr lang="zh-CN" altLang="en-US" dirty="0" smtClean="0"/>
-              <a:t>文件需要上传到域名下面是因为</a:t>
-            </a:r>
-            <a:r>
-              <a:rPr lang="en-US" altLang="zh-CN" dirty="0" smtClean="0"/>
-              <a:t>demo</a:t>
-            </a:r>
-            <a:r>
-              <a:rPr lang="zh-CN" altLang="en-US" dirty="0" smtClean="0"/>
-              <a:t>中有</a:t>
-            </a:r>
-            <a:r>
-              <a:rPr lang="en-US" altLang="zh-CN" dirty="0" err="1" smtClean="0"/>
-              <a:t>ajax</a:t>
-            </a:r>
-            <a:r>
-              <a:rPr lang="zh-CN" altLang="en-US" dirty="0" smtClean="0"/>
-              <a:t>远程请求的内容，在本地访问会被浏览器安全策略拦住。</a:t>
-            </a:r>
             <a:endParaRPr lang="zh-CN" altLang="en-US" dirty="0"/>
           </a:p>
         </p:txBody>
@@ -768,7 +748,7 @@
     </p:spTree>
     <p:extLst>
       <p:ext uri="{BB962C8B-B14F-4D97-AF65-F5344CB8AC3E}">
-        <p14:creationId xmlns:p14="http://schemas.microsoft.com/office/powerpoint/2010/main" val="1154978955"/>
+        <p14:creationId xmlns:p14="http://schemas.microsoft.com/office/powerpoint/2010/main" val="20288594"/>
       </p:ext>
     </p:extLst>
   </p:cSld>
@@ -823,55 +803,25 @@
           <a:lstStyle/>
           <a:p>
             <a:r>
+              <a:rPr lang="zh-CN" altLang="en-US" dirty="0" smtClean="0"/>
+              <a:t>文件需要上传到域名下面是因为</a:t>
+            </a:r>
+            <a:r>
+              <a:rPr lang="en-US" altLang="zh-CN" dirty="0" smtClean="0"/>
+              <a:t>demo</a:t>
+            </a:r>
+            <a:r>
+              <a:rPr lang="zh-CN" altLang="en-US" dirty="0" smtClean="0"/>
+              <a:t>中有</a:t>
+            </a:r>
+            <a:r>
               <a:rPr lang="en-US" altLang="zh-CN" dirty="0" err="1" smtClean="0"/>
-              <a:t>Seajs</a:t>
-            </a:r>
-            <a:r>
-              <a:rPr lang="zh-CN" altLang="en-US" dirty="0" smtClean="0"/>
-              <a:t>和</a:t>
-            </a:r>
-            <a:r>
-              <a:rPr lang="en-US" altLang="zh-CN" dirty="0" err="1" smtClean="0"/>
-              <a:t>zepto</a:t>
-            </a:r>
-            <a:r>
-              <a:rPr lang="zh-CN" altLang="en-US" dirty="0" smtClean="0"/>
-              <a:t>打包是为了让请求更小巧。也可根据需求分开加载，或者把</a:t>
-            </a:r>
-            <a:r>
-              <a:rPr lang="en-US" altLang="zh-CN" dirty="0" err="1" smtClean="0"/>
-              <a:t>zepto</a:t>
-            </a:r>
-            <a:r>
-              <a:rPr lang="zh-CN" altLang="en-US" dirty="0" smtClean="0"/>
-              <a:t>换成</a:t>
-            </a:r>
-            <a:r>
-              <a:rPr lang="en-US" altLang="zh-CN" dirty="0" err="1" smtClean="0"/>
-              <a:t>jquery</a:t>
-            </a:r>
-            <a:endParaRPr lang="en-US" altLang="zh-CN" dirty="0" smtClean="0"/>
-          </a:p>
-          <a:p>
-            <a:r>
-              <a:rPr lang="en-US" altLang="zh-CN" dirty="0" err="1" smtClean="0"/>
-              <a:t>Seajs</a:t>
-            </a:r>
-            <a:r>
-              <a:rPr lang="zh-CN" altLang="en-US" dirty="0" smtClean="0"/>
-              <a:t>这里暂时不要使用</a:t>
-            </a:r>
-            <a:r>
-              <a:rPr lang="en-US" altLang="zh-CN" dirty="0" smtClean="0"/>
-              <a:t>2.0</a:t>
-            </a:r>
-            <a:r>
-              <a:rPr lang="zh-CN" altLang="en-US" dirty="0" smtClean="0"/>
-              <a:t>，还不稳定，而且兼容性不佳。后续慢慢升级</a:t>
-            </a:r>
-            <a:endParaRPr lang="en-US" altLang="zh-CN" dirty="0" smtClean="0"/>
-          </a:p>
-          <a:p>
+              <a:t>ajax</a:t>
+            </a:r>
+            <a:r>
+              <a:rPr lang="zh-CN" altLang="en-US" dirty="0" smtClean="0"/>
+              <a:t>远程请求的内容，在本地访问会被浏览器安全策略拦住。</a:t>
+            </a:r>
             <a:endParaRPr lang="zh-CN" altLang="en-US" dirty="0"/>
           </a:p>
         </p:txBody>
@@ -893,7 +843,7 @@
           <a:p>
             <a:fld id="{23271835-738D-4204-9920-C7AC9E23FF1B}" type="slidenum">
               <a:rPr lang="zh-CN" altLang="en-US" smtClean="0"/>
-              <a:t>5</a:t>
+              <a:t>6</a:t>
             </a:fld>
             <a:endParaRPr lang="zh-CN" altLang="en-US"/>
           </a:p>
@@ -902,7 +852,7 @@
     </p:spTree>
     <p:extLst>
       <p:ext uri="{BB962C8B-B14F-4D97-AF65-F5344CB8AC3E}">
-        <p14:creationId xmlns:p14="http://schemas.microsoft.com/office/powerpoint/2010/main" val="305426095"/>
+        <p14:creationId xmlns:p14="http://schemas.microsoft.com/office/powerpoint/2010/main" val="1154978955"/>
       </p:ext>
     </p:extLst>
   </p:cSld>
@@ -958,107 +908,54 @@
           <a:p>
             <a:r>
               <a:rPr lang="en-US" altLang="zh-CN" dirty="0" err="1" smtClean="0"/>
-              <a:t>Mytouch</a:t>
-            </a:r>
-            <a:r>
-              <a:rPr lang="zh-CN" altLang="en-US" dirty="0" smtClean="0"/>
-              <a:t>对于模块的管理主要是基于</a:t>
+              <a:t>Seajs</a:t>
+            </a:r>
+            <a:r>
+              <a:rPr lang="zh-CN" altLang="en-US" dirty="0" smtClean="0"/>
+              <a:t>和</a:t>
             </a:r>
             <a:r>
               <a:rPr lang="en-US" altLang="zh-CN" dirty="0" err="1" smtClean="0"/>
-              <a:t>alisa</a:t>
-            </a:r>
-            <a:r>
-              <a:rPr lang="zh-CN" altLang="en-US" dirty="0" smtClean="0"/>
-              <a:t>来实现，通过</a:t>
+              <a:t>zepto</a:t>
+            </a:r>
+            <a:r>
+              <a:rPr lang="zh-CN" altLang="en-US" dirty="0" smtClean="0"/>
+              <a:t>打包是为了让请求更小巧。也可根据需求分开加载，或者把</a:t>
             </a:r>
             <a:r>
               <a:rPr lang="en-US" altLang="zh-CN" dirty="0" err="1" smtClean="0"/>
-              <a:t>alisa</a:t>
-            </a:r>
-            <a:r>
-              <a:rPr lang="zh-CN" altLang="en-US" dirty="0" smtClean="0"/>
-              <a:t>我们可以对文件路径和时间戳进行</a:t>
-            </a:r>
-            <a:r>
-              <a:rPr lang="zh-CN" altLang="en-US" dirty="0" smtClean="0"/>
-              <a:t>统一的管理配置，在业务代码中引用的时候只需要别名即可</a:t>
+              <a:t>zepto</a:t>
+            </a:r>
+            <a:r>
+              <a:rPr lang="zh-CN" altLang="en-US" dirty="0" smtClean="0"/>
+              <a:t>换成</a:t>
+            </a:r>
+            <a:r>
+              <a:rPr lang="en-US" altLang="zh-CN" dirty="0" err="1" smtClean="0"/>
+              <a:t>jquery</a:t>
             </a:r>
             <a:endParaRPr lang="en-US" altLang="zh-CN" dirty="0" smtClean="0"/>
           </a:p>
           <a:p>
             <a:r>
-              <a:rPr lang="zh-CN" altLang="en-US" dirty="0" smtClean="0"/>
-              <a:t>两个全局变量这里是</a:t>
-            </a:r>
-            <a:r>
               <a:rPr lang="en-US" altLang="zh-CN" dirty="0" err="1" smtClean="0"/>
-              <a:t>mytouch</a:t>
-            </a:r>
-            <a:r>
-              <a:rPr lang="zh-CN" altLang="en-US" dirty="0" smtClean="0"/>
-              <a:t>框架需要的，</a:t>
+              <a:t>Seajs</a:t>
+            </a:r>
+            <a:r>
+              <a:rPr lang="zh-CN" altLang="en-US" dirty="0" smtClean="0"/>
+              <a:t>这里暂时不要使用</a:t>
             </a:r>
             <a:r>
               <a:rPr lang="en-US" altLang="zh-CN" dirty="0" smtClean="0"/>
-              <a:t>frame</a:t>
-            </a:r>
-            <a:r>
-              <a:rPr lang="zh-CN" altLang="en-US" dirty="0" smtClean="0"/>
-              <a:t>和</a:t>
-            </a:r>
-            <a:r>
-              <a:rPr lang="en-US" altLang="zh-CN" dirty="0" smtClean="0"/>
-              <a:t>main</a:t>
-            </a:r>
-            <a:r>
-              <a:rPr lang="zh-CN" altLang="en-US" dirty="0" smtClean="0"/>
-              <a:t>这里的区别在于</a:t>
-            </a:r>
-            <a:r>
-              <a:rPr lang="en-US" altLang="zh-CN" dirty="0" smtClean="0"/>
-              <a:t>frame</a:t>
-            </a:r>
-            <a:r>
-              <a:rPr lang="zh-CN" altLang="en-US" dirty="0" smtClean="0"/>
-              <a:t>里面主要是实现全局的一些业务逻辑如公用</a:t>
-            </a:r>
-            <a:r>
-              <a:rPr lang="en-US" altLang="zh-CN" dirty="0" err="1" smtClean="0"/>
-              <a:t>api</a:t>
-            </a:r>
-            <a:r>
-              <a:rPr lang="zh-CN" altLang="en-US" dirty="0" smtClean="0"/>
-              <a:t>等，</a:t>
-            </a:r>
-            <a:r>
-              <a:rPr lang="en-US" altLang="zh-CN" dirty="0" smtClean="0"/>
-              <a:t>main</a:t>
-            </a:r>
-            <a:r>
-              <a:rPr lang="zh-CN" altLang="en-US" dirty="0" smtClean="0"/>
-              <a:t>等于是一个业务模块，通过</a:t>
-            </a:r>
-            <a:r>
-              <a:rPr lang="en-US" altLang="zh-CN" dirty="0" err="1" smtClean="0"/>
-              <a:t>mytouch_main</a:t>
-            </a:r>
-            <a:r>
-              <a:rPr lang="zh-CN" altLang="en-US" dirty="0" smtClean="0"/>
-              <a:t>可以指定默认首页的</a:t>
-            </a:r>
-            <a:r>
-              <a:rPr lang="en-US" altLang="zh-CN" dirty="0" err="1" smtClean="0"/>
-              <a:t>moudel</a:t>
-            </a:r>
-            <a:r>
-              <a:rPr lang="zh-CN" altLang="en-US" dirty="0" smtClean="0"/>
-              <a:t>和</a:t>
-            </a:r>
-            <a:r>
-              <a:rPr lang="en-US" altLang="zh-CN" dirty="0" smtClean="0"/>
-              <a:t>action</a:t>
-            </a:r>
+              <a:t>2.0</a:t>
+            </a:r>
+            <a:r>
+              <a:rPr lang="zh-CN" altLang="en-US" dirty="0" smtClean="0"/>
+              <a:t>，还不稳定，而且兼容性不佳。后续慢慢升级</a:t>
+            </a:r>
+            <a:endParaRPr lang="en-US" altLang="zh-CN" dirty="0" smtClean="0"/>
+          </a:p>
+          <a:p>
             <a:endParaRPr lang="zh-CN" altLang="en-US" dirty="0"/>
           </a:p>
         </p:txBody>
@@ -1080,7 +977,7 @@
           <a:p>
             <a:fld id="{23271835-738D-4204-9920-C7AC9E23FF1B}" type="slidenum">
               <a:rPr lang="zh-CN" altLang="en-US" smtClean="0"/>
-              <a:t>6</a:t>
+              <a:t>7</a:t>
             </a:fld>
             <a:endParaRPr lang="zh-CN" altLang="en-US"/>
           </a:p>
@@ -1089,7 +986,7 @@
     </p:spTree>
     <p:extLst>
       <p:ext uri="{BB962C8B-B14F-4D97-AF65-F5344CB8AC3E}">
-        <p14:creationId xmlns:p14="http://schemas.microsoft.com/office/powerpoint/2010/main" val="1862695094"/>
+        <p14:creationId xmlns:p14="http://schemas.microsoft.com/office/powerpoint/2010/main" val="305426095"/>
       </p:ext>
     </p:extLst>
   </p:cSld>
@@ -1143,6 +1040,105 @@
           <a:bodyPr/>
           <a:lstStyle/>
           <a:p>
+            <a:r>
+              <a:rPr lang="en-US" altLang="zh-CN" dirty="0" err="1" smtClean="0"/>
+              <a:t>Mytouch</a:t>
+            </a:r>
+            <a:r>
+              <a:rPr lang="zh-CN" altLang="en-US" dirty="0" smtClean="0"/>
+              <a:t>对于模块的管理主要是基于</a:t>
+            </a:r>
+            <a:r>
+              <a:rPr lang="en-US" altLang="zh-CN" dirty="0" err="1" smtClean="0"/>
+              <a:t>alisa</a:t>
+            </a:r>
+            <a:r>
+              <a:rPr lang="zh-CN" altLang="en-US" dirty="0" smtClean="0"/>
+              <a:t>来实现，通过</a:t>
+            </a:r>
+            <a:r>
+              <a:rPr lang="en-US" altLang="zh-CN" dirty="0" err="1" smtClean="0"/>
+              <a:t>alisa</a:t>
+            </a:r>
+            <a:r>
+              <a:rPr lang="zh-CN" altLang="en-US" dirty="0" smtClean="0"/>
+              <a:t>我们可以对文件路径和时间戳进行统一的管理配置，在业务代码中引用的时候只需要别名即可</a:t>
+            </a:r>
+            <a:endParaRPr lang="en-US" altLang="zh-CN" dirty="0" smtClean="0"/>
+          </a:p>
+          <a:p>
+            <a:r>
+              <a:rPr lang="zh-CN" altLang="en-US" dirty="0" smtClean="0"/>
+              <a:t>两个全局变量这里是</a:t>
+            </a:r>
+            <a:r>
+              <a:rPr lang="en-US" altLang="zh-CN" dirty="0" err="1" smtClean="0"/>
+              <a:t>mytouch</a:t>
+            </a:r>
+            <a:r>
+              <a:rPr lang="zh-CN" altLang="en-US" dirty="0" smtClean="0"/>
+              <a:t>框架需要的，</a:t>
+            </a:r>
+            <a:r>
+              <a:rPr lang="en-US" altLang="zh-CN" dirty="0" smtClean="0"/>
+              <a:t>frame</a:t>
+            </a:r>
+            <a:r>
+              <a:rPr lang="zh-CN" altLang="en-US" dirty="0" smtClean="0"/>
+              <a:t>和</a:t>
+            </a:r>
+            <a:r>
+              <a:rPr lang="en-US" altLang="zh-CN" dirty="0" smtClean="0"/>
+              <a:t>main</a:t>
+            </a:r>
+            <a:r>
+              <a:rPr lang="zh-CN" altLang="en-US" dirty="0" smtClean="0"/>
+              <a:t>这里的区别在于</a:t>
+            </a:r>
+            <a:r>
+              <a:rPr lang="en-US" altLang="zh-CN" dirty="0" smtClean="0"/>
+              <a:t>frame</a:t>
+            </a:r>
+            <a:r>
+              <a:rPr lang="zh-CN" altLang="en-US" dirty="0" smtClean="0"/>
+              <a:t>里面主要是实现全局的一些业务逻辑如公用</a:t>
+            </a:r>
+            <a:r>
+              <a:rPr lang="en-US" altLang="zh-CN" dirty="0" err="1" smtClean="0"/>
+              <a:t>api</a:t>
+            </a:r>
+            <a:r>
+              <a:rPr lang="zh-CN" altLang="en-US" dirty="0" smtClean="0"/>
+              <a:t>等，</a:t>
+            </a:r>
+            <a:r>
+              <a:rPr lang="en-US" altLang="zh-CN" dirty="0" smtClean="0"/>
+              <a:t>main</a:t>
+            </a:r>
+            <a:r>
+              <a:rPr lang="zh-CN" altLang="en-US" dirty="0" smtClean="0"/>
+              <a:t>等于是一个业务模块，通过</a:t>
+            </a:r>
+            <a:r>
+              <a:rPr lang="en-US" altLang="zh-CN" dirty="0" err="1" smtClean="0"/>
+              <a:t>mytouch_main</a:t>
+            </a:r>
+            <a:r>
+              <a:rPr lang="zh-CN" altLang="en-US" dirty="0" smtClean="0"/>
+              <a:t>可以指定默认首页的</a:t>
+            </a:r>
+            <a:r>
+              <a:rPr lang="en-US" altLang="zh-CN" dirty="0" err="1" smtClean="0"/>
+              <a:t>moudel</a:t>
+            </a:r>
+            <a:r>
+              <a:rPr lang="zh-CN" altLang="en-US" dirty="0" smtClean="0"/>
+              <a:t>和</a:t>
+            </a:r>
+            <a:r>
+              <a:rPr lang="en-US" altLang="zh-CN" dirty="0" smtClean="0"/>
+              <a:t>action</a:t>
+            </a:r>
             <a:endParaRPr lang="zh-CN" altLang="en-US" dirty="0"/>
           </a:p>
         </p:txBody>
@@ -1164,7 +1160,7 @@
           <a:p>
             <a:fld id="{23271835-738D-4204-9920-C7AC9E23FF1B}" type="slidenum">
               <a:rPr lang="zh-CN" altLang="en-US" smtClean="0"/>
-              <a:t>9</a:t>
+              <a:t>8</a:t>
             </a:fld>
             <a:endParaRPr lang="zh-CN" altLang="en-US"/>
           </a:p>
@@ -1173,7 +1169,7 @@
     </p:spTree>
     <p:extLst>
       <p:ext uri="{BB962C8B-B14F-4D97-AF65-F5344CB8AC3E}">
-        <p14:creationId xmlns:p14="http://schemas.microsoft.com/office/powerpoint/2010/main" val="20288594"/>
+        <p14:creationId xmlns:p14="http://schemas.microsoft.com/office/powerpoint/2010/main" val="1862695094"/>
       </p:ext>
     </p:extLst>
   </p:cSld>
@@ -1364,7 +1360,7 @@
           <a:p>
             <a:fld id="{7C6F8433-CFC5-4708-B6A6-DBFEDC97A715}" type="datetimeFigureOut">
               <a:rPr lang="zh-CN" altLang="en-US" smtClean="0"/>
-              <a:t>2013/4/18</a:t>
+              <a:t>2013/5/15</a:t>
             </a:fld>
             <a:endParaRPr lang="zh-CN" altLang="en-US"/>
           </a:p>
@@ -1534,7 +1530,7 @@
           <a:p>
             <a:fld id="{7C6F8433-CFC5-4708-B6A6-DBFEDC97A715}" type="datetimeFigureOut">
               <a:rPr lang="zh-CN" altLang="en-US" smtClean="0"/>
-              <a:t>2013/4/18</a:t>
+              <a:t>2013/5/15</a:t>
             </a:fld>
             <a:endParaRPr lang="zh-CN" altLang="en-US"/>
           </a:p>
@@ -1714,7 +1710,7 @@
           <a:p>
             <a:fld id="{7C6F8433-CFC5-4708-B6A6-DBFEDC97A715}" type="datetimeFigureOut">
               <a:rPr lang="zh-CN" altLang="en-US" smtClean="0"/>
-              <a:t>2013/4/18</a:t>
+              <a:t>2013/5/15</a:t>
             </a:fld>
             <a:endParaRPr lang="zh-CN" altLang="en-US"/>
           </a:p>
@@ -1884,7 +1880,7 @@
           <a:p>
             <a:fld id="{7C6F8433-CFC5-4708-B6A6-DBFEDC97A715}" type="datetimeFigureOut">
               <a:rPr lang="zh-CN" altLang="en-US" smtClean="0"/>
-              <a:t>2013/4/18</a:t>
+              <a:t>2013/5/15</a:t>
             </a:fld>
             <a:endParaRPr lang="zh-CN" altLang="en-US"/>
           </a:p>
@@ -2130,7 +2126,7 @@
           <a:p>
             <a:fld id="{7C6F8433-CFC5-4708-B6A6-DBFEDC97A715}" type="datetimeFigureOut">
               <a:rPr lang="zh-CN" altLang="en-US" smtClean="0"/>
-              <a:t>2013/4/18</a:t>
+              <a:t>2013/5/15</a:t>
             </a:fld>
             <a:endParaRPr lang="zh-CN" altLang="en-US"/>
           </a:p>
@@ -2418,7 +2414,7 @@
           <a:p>
             <a:fld id="{7C6F8433-CFC5-4708-B6A6-DBFEDC97A715}" type="datetimeFigureOut">
               <a:rPr lang="zh-CN" altLang="en-US" smtClean="0"/>
-              <a:t>2013/4/18</a:t>
+              <a:t>2013/5/15</a:t>
             </a:fld>
             <a:endParaRPr lang="zh-CN" altLang="en-US"/>
           </a:p>
@@ -2840,7 +2836,7 @@
           <a:p>
             <a:fld id="{7C6F8433-CFC5-4708-B6A6-DBFEDC97A715}" type="datetimeFigureOut">
               <a:rPr lang="zh-CN" altLang="en-US" smtClean="0"/>
-              <a:t>2013/4/18</a:t>
+              <a:t>2013/5/15</a:t>
             </a:fld>
             <a:endParaRPr lang="zh-CN" altLang="en-US"/>
           </a:p>
@@ -2958,7 +2954,7 @@
           <a:p>
             <a:fld id="{7C6F8433-CFC5-4708-B6A6-DBFEDC97A715}" type="datetimeFigureOut">
               <a:rPr lang="zh-CN" altLang="en-US" smtClean="0"/>
-              <a:t>2013/4/18</a:t>
+              <a:t>2013/5/15</a:t>
             </a:fld>
             <a:endParaRPr lang="zh-CN" altLang="en-US"/>
           </a:p>
@@ -3053,7 +3049,7 @@
           <a:p>
             <a:fld id="{7C6F8433-CFC5-4708-B6A6-DBFEDC97A715}" type="datetimeFigureOut">
               <a:rPr lang="zh-CN" altLang="en-US" smtClean="0"/>
-              <a:t>2013/4/18</a:t>
+              <a:t>2013/5/15</a:t>
             </a:fld>
             <a:endParaRPr lang="zh-CN" altLang="en-US"/>
           </a:p>
@@ -3330,7 +3326,7 @@
           <a:p>
             <a:fld id="{7C6F8433-CFC5-4708-B6A6-DBFEDC97A715}" type="datetimeFigureOut">
               <a:rPr lang="zh-CN" altLang="en-US" smtClean="0"/>
-              <a:t>2013/4/18</a:t>
+              <a:t>2013/5/15</a:t>
             </a:fld>
             <a:endParaRPr lang="zh-CN" altLang="en-US"/>
           </a:p>
@@ -3583,7 +3579,7 @@
           <a:p>
             <a:fld id="{7C6F8433-CFC5-4708-B6A6-DBFEDC97A715}" type="datetimeFigureOut">
               <a:rPr lang="zh-CN" altLang="en-US" smtClean="0"/>
-              <a:t>2013/4/18</a:t>
+              <a:t>2013/5/15</a:t>
             </a:fld>
             <a:endParaRPr lang="zh-CN" altLang="en-US"/>
           </a:p>
@@ -3796,7 +3792,7 @@
           <a:p>
             <a:fld id="{7C6F8433-CFC5-4708-B6A6-DBFEDC97A715}" type="datetimeFigureOut">
               <a:rPr lang="zh-CN" altLang="en-US" smtClean="0"/>
-              <a:t>2013/4/18</a:t>
+              <a:t>2013/5/15</a:t>
             </a:fld>
             <a:endParaRPr lang="zh-CN" altLang="en-US"/>
           </a:p>
@@ -4276,7 +4272,15 @@
           <a:p>
             <a:r>
               <a:rPr lang="zh-CN" altLang="en-US" dirty="0" smtClean="0"/>
-              <a:t>框架设计思路细节</a:t>
+              <a:t>部署（</a:t>
+            </a:r>
+            <a:r>
+              <a:rPr lang="en-US" altLang="zh-CN" dirty="0" smtClean="0"/>
+              <a:t>4</a:t>
+            </a:r>
+            <a:r>
+              <a:rPr lang="zh-CN" altLang="en-US" dirty="0" smtClean="0"/>
+              <a:t>）数据模块</a:t>
             </a:r>
             <a:endParaRPr lang="zh-CN" altLang="en-US" dirty="0"/>
           </a:p>
@@ -4297,14 +4301,54 @@
           <a:bodyPr/>
           <a:lstStyle/>
           <a:p>
-            <a:endParaRPr lang="zh-CN" altLang="en-US"/>
+            <a:r>
+              <a:rPr lang="en-US" altLang="zh-CN" dirty="0" smtClean="0"/>
+              <a:t>Data</a:t>
+            </a:r>
+            <a:r>
+              <a:rPr lang="zh-CN" altLang="en-US" dirty="0" smtClean="0"/>
+              <a:t>模块是我们的数据中心，里面封装了基本的远程数据操作以及缓存管理逻辑，他是非必要模块。开发可以用自己的方式实现数据管理</a:t>
+            </a:r>
+            <a:endParaRPr lang="en-US" altLang="zh-CN" dirty="0" smtClean="0"/>
+          </a:p>
+          <a:p>
+            <a:r>
+              <a:rPr lang="en-US" altLang="zh-CN" dirty="0" smtClean="0"/>
+              <a:t>Data</a:t>
+            </a:r>
+            <a:r>
+              <a:rPr lang="zh-CN" altLang="en-US" dirty="0" smtClean="0"/>
+              <a:t>模块里面主要用来实现业务中与远端数据接口交互的逻辑。以及将这些拉取到的数据放入缓存中管理。</a:t>
+            </a:r>
+            <a:endParaRPr lang="en-US" altLang="zh-CN" dirty="0" smtClean="0"/>
+          </a:p>
+          <a:p>
+            <a:r>
+              <a:rPr lang="zh-CN" altLang="en-US" dirty="0" smtClean="0"/>
+              <a:t>具体的实现可以查看</a:t>
+            </a:r>
+            <a:r>
+              <a:rPr lang="en-US" altLang="zh-CN" dirty="0" smtClean="0"/>
+              <a:t>data.js</a:t>
+            </a:r>
+            <a:r>
+              <a:rPr lang="zh-CN" altLang="en-US" dirty="0" smtClean="0"/>
+              <a:t>代码</a:t>
+            </a:r>
+            <a:endParaRPr lang="en-US" altLang="zh-CN" dirty="0" smtClean="0"/>
+          </a:p>
+          <a:p>
+            <a:endParaRPr lang="zh-CN" altLang="en-US" dirty="0" smtClean="0"/>
+          </a:p>
+          <a:p>
+            <a:endParaRPr lang="zh-CN" altLang="en-US" dirty="0"/>
           </a:p>
         </p:txBody>
       </p:sp>
     </p:spTree>
     <p:extLst>
       <p:ext uri="{BB962C8B-B14F-4D97-AF65-F5344CB8AC3E}">
-        <p14:creationId xmlns:p14="http://schemas.microsoft.com/office/powerpoint/2010/main" val="4147331242"/>
+        <p14:creationId xmlns:p14="http://schemas.microsoft.com/office/powerpoint/2010/main" val="1897382439"/>
       </p:ext>
     </p:extLst>
   </p:cSld>
@@ -4346,7 +4390,11 @@
           <a:bodyPr/>
           <a:lstStyle/>
           <a:p>
-            <a:endParaRPr lang="zh-CN" altLang="en-US"/>
+            <a:r>
+              <a:rPr lang="zh-CN" altLang="en-US" dirty="0" smtClean="0"/>
+              <a:t>其他</a:t>
+            </a:r>
+            <a:endParaRPr lang="zh-CN" altLang="en-US" dirty="0"/>
           </a:p>
         </p:txBody>
       </p:sp>
@@ -4365,14 +4413,80 @@
           <a:bodyPr/>
           <a:lstStyle/>
           <a:p>
-            <a:endParaRPr lang="zh-CN" altLang="en-US"/>
+            <a:r>
+              <a:rPr lang="zh-CN" altLang="en-US" dirty="0" smtClean="0"/>
+              <a:t>开发：</a:t>
+            </a:r>
+            <a:endParaRPr lang="en-US" altLang="zh-CN" dirty="0" smtClean="0"/>
+          </a:p>
+          <a:p>
+            <a:pPr lvl="1"/>
+            <a:r>
+              <a:rPr lang="en-US" altLang="zh-CN" dirty="0" smtClean="0"/>
+              <a:t>Kpxu</a:t>
+            </a:r>
+            <a:r>
+              <a:rPr lang="zh-CN" altLang="en-US" dirty="0" smtClean="0"/>
+              <a:t>、</a:t>
+            </a:r>
+            <a:r>
+              <a:rPr lang="en-US" altLang="zh-CN" dirty="0" err="1" smtClean="0"/>
+              <a:t>jimyan</a:t>
+            </a:r>
+            <a:r>
+              <a:rPr lang="zh-CN" altLang="en-US" dirty="0" smtClean="0"/>
+              <a:t>、</a:t>
+            </a:r>
+            <a:r>
+              <a:rPr lang="en-US" altLang="zh-CN" dirty="0" smtClean="0"/>
+              <a:t>wowowang</a:t>
+            </a:r>
+          </a:p>
+          <a:p>
+            <a:r>
+              <a:rPr lang="zh-CN" altLang="en-US" dirty="0" smtClean="0"/>
+              <a:t>联系</a:t>
+            </a:r>
+            <a:endParaRPr lang="en-US" altLang="zh-CN" dirty="0">
+              <a:hlinkClick r:id="rId2"/>
+            </a:endParaRPr>
+          </a:p>
+          <a:p>
+            <a:pPr lvl="1"/>
+            <a:r>
+              <a:rPr lang="en-US" altLang="zh-CN" dirty="0" err="1" smtClean="0"/>
+              <a:t>Email:</a:t>
+            </a:r>
+            <a:r>
+              <a:rPr lang="en-US" altLang="zh-CN" dirty="0" err="1">
+                <a:hlinkClick r:id="rId2"/>
+              </a:rPr>
+              <a:t>xukaipeng@qq.com</a:t>
+            </a:r>
+            <a:endParaRPr lang="en-US" altLang="zh-CN" dirty="0"/>
+          </a:p>
+          <a:p>
+            <a:pPr lvl="1"/>
+            <a:r>
+              <a:rPr lang="en-US" altLang="zh-CN" dirty="0" smtClean="0"/>
+              <a:t>QQ</a:t>
+            </a:r>
+            <a:r>
+              <a:rPr lang="zh-CN" altLang="en-US" dirty="0" smtClean="0"/>
+              <a:t>：</a:t>
+            </a:r>
+            <a:r>
+              <a:rPr lang="en-US" altLang="zh-CN" dirty="0" smtClean="0"/>
+              <a:t>158646834</a:t>
+            </a:r>
+            <a:endParaRPr lang="zh-CN" altLang="en-US" dirty="0"/>
           </a:p>
         </p:txBody>
       </p:sp>
     </p:spTree>
     <p:extLst>
       <p:ext uri="{BB962C8B-B14F-4D97-AF65-F5344CB8AC3E}">
-        <p14:creationId xmlns:p14="http://schemas.microsoft.com/office/powerpoint/2010/main" val="2821921584"/>
+        <p14:creationId xmlns:p14="http://schemas.microsoft.com/office/powerpoint/2010/main" val="1026781845"/>
       </p:ext>
     </p:extLst>
   </p:cSld>
@@ -4435,7 +4549,7 @@
         <p:spPr/>
         <p:txBody>
           <a:bodyPr>
-            <a:normAutofit fontScale="85000" lnSpcReduction="10000"/>
+            <a:normAutofit fontScale="70000" lnSpcReduction="20000"/>
           </a:bodyPr>
           <a:lstStyle/>
           <a:p>
@@ -4449,11 +4563,133 @@
             </a:r>
             <a:r>
               <a:rPr lang="en-US" altLang="zh-CN" dirty="0" err="1" smtClean="0"/>
-              <a:t>seajs</a:t>
-            </a:r>
-            <a:r>
-              <a:rPr lang="zh-CN" altLang="en-US" dirty="0" smtClean="0"/>
+              <a:t>modulejs</a:t>
+            </a:r>
+            <a:r>
+              <a:rPr lang="zh-CN" altLang="en-US" dirty="0" smtClean="0"/>
+              <a:t>基础上整合</a:t>
+            </a:r>
+            <a:r>
+              <a:rPr lang="zh-CN" altLang="en-US" dirty="0" smtClean="0"/>
+              <a:t>出</a:t>
+            </a:r>
+            <a:r>
+              <a:rPr lang="zh-CN" altLang="en-US" dirty="0" smtClean="0"/>
+              <a:t>的一套移动</a:t>
+            </a:r>
+            <a:r>
+              <a:rPr lang="en-US" altLang="zh-CN" dirty="0" smtClean="0"/>
+              <a:t>web</a:t>
+            </a:r>
+            <a:r>
+              <a:rPr lang="zh-CN" altLang="en-US" dirty="0" smtClean="0"/>
+              <a:t>模块化开发框架。</a:t>
+            </a:r>
+            <a:endParaRPr lang="en-US" altLang="zh-CN" dirty="0" smtClean="0"/>
+          </a:p>
+          <a:p>
+            <a:r>
+              <a:rPr lang="zh-CN" altLang="en-US" dirty="0" smtClean="0"/>
+              <a:t>实现上是通过对</a:t>
+            </a:r>
+            <a:r>
+              <a:rPr lang="en-US" altLang="zh-CN" dirty="0" err="1" smtClean="0"/>
+              <a:t>hashchange</a:t>
+            </a:r>
+            <a:r>
+              <a:rPr lang="zh-CN" altLang="en-US" dirty="0" smtClean="0"/>
+              <a:t>的变化，实现功能模块的加载</a:t>
+            </a:r>
+            <a:r>
+              <a:rPr lang="zh-CN" altLang="en-US" dirty="0"/>
               <a:t>和</a:t>
+            </a:r>
+            <a:r>
+              <a:rPr lang="zh-CN" altLang="en-US" dirty="0" smtClean="0"/>
+              <a:t>切换。根据</a:t>
+            </a:r>
+            <a:r>
+              <a:rPr lang="en-US" altLang="zh-CN" dirty="0"/>
+              <a:t>hash</a:t>
+            </a:r>
+            <a:r>
+              <a:rPr lang="zh-CN" altLang="en-US" dirty="0"/>
+              <a:t>规则中描述的</a:t>
+            </a:r>
+            <a:r>
+              <a:rPr lang="en-US" altLang="zh-CN" dirty="0"/>
+              <a:t>module</a:t>
+            </a:r>
+            <a:r>
+              <a:rPr lang="zh-CN" altLang="en-US" dirty="0"/>
+              <a:t>和</a:t>
+            </a:r>
+            <a:r>
+              <a:rPr lang="en-US" altLang="zh-CN" dirty="0"/>
+              <a:t>action</a:t>
+            </a:r>
+            <a:r>
+              <a:rPr lang="zh-CN" altLang="en-US" dirty="0"/>
+              <a:t>进行实例化和执行</a:t>
+            </a:r>
+            <a:r>
+              <a:rPr lang="zh-CN" altLang="en-US" dirty="0" smtClean="0"/>
+              <a:t>。</a:t>
+            </a:r>
+            <a:endParaRPr lang="en-US" altLang="zh-CN" dirty="0" smtClean="0"/>
+          </a:p>
+          <a:p>
+            <a:r>
+              <a:rPr lang="zh-CN" altLang="en-US" dirty="0" smtClean="0"/>
+              <a:t>主要特性：</a:t>
+            </a:r>
+            <a:endParaRPr lang="en-US" altLang="zh-CN" dirty="0" smtClean="0"/>
+          </a:p>
+          <a:p>
+            <a:pPr lvl="1"/>
+            <a:r>
+              <a:rPr lang="zh-CN" altLang="en-US" dirty="0" smtClean="0"/>
+              <a:t>不涉及</a:t>
+            </a:r>
+            <a:r>
+              <a:rPr lang="en-US" altLang="zh-CN" dirty="0" err="1" smtClean="0"/>
+              <a:t>ui</a:t>
+            </a:r>
+            <a:r>
+              <a:rPr lang="zh-CN" altLang="en-US" dirty="0" smtClean="0"/>
+              <a:t>层，不侵入业务，具有极强的扩展和兼容性</a:t>
+            </a:r>
+            <a:endParaRPr lang="en-US" altLang="zh-CN" dirty="0" smtClean="0"/>
+          </a:p>
+          <a:p>
+            <a:pPr lvl="1"/>
+            <a:r>
+              <a:rPr lang="zh-CN" altLang="en-US" dirty="0" smtClean="0"/>
+              <a:t>通过</a:t>
+            </a:r>
+            <a:r>
+              <a:rPr lang="en-US" altLang="zh-CN" dirty="0" err="1" smtClean="0"/>
+              <a:t>hashchange</a:t>
+            </a:r>
+            <a:r>
+              <a:rPr lang="zh-CN" altLang="en-US" dirty="0" smtClean="0"/>
+              <a:t>来进行业务模块路由控制</a:t>
+            </a:r>
+            <a:endParaRPr lang="en-US" altLang="zh-CN" dirty="0" smtClean="0"/>
+          </a:p>
+          <a:p>
+            <a:pPr lvl="1"/>
+            <a:r>
+              <a:rPr lang="zh-CN" altLang="en-US" dirty="0"/>
+              <a:t>功能模块具备构造和析构方法</a:t>
+            </a:r>
+            <a:endParaRPr lang="en-US" altLang="zh-CN" dirty="0"/>
+          </a:p>
+          <a:p>
+            <a:pPr lvl="1"/>
+            <a:r>
+              <a:rPr lang="zh-CN" altLang="en-US" dirty="0" smtClean="0"/>
+              <a:t>提供了</a:t>
             </a:r>
             <a:r>
               <a:rPr lang="en-US" altLang="zh-CN" dirty="0" err="1" smtClean="0"/>
@@ -4461,93 +4697,62 @@
             </a:r>
             <a:r>
               <a:rPr lang="zh-CN" altLang="en-US" dirty="0" smtClean="0"/>
-              <a:t>基础上整合的一套</a:t>
-            </a:r>
-            <a:r>
-              <a:rPr lang="zh-CN" altLang="en-US" dirty="0" smtClean="0"/>
-              <a:t>移动</a:t>
+              <a:t>、</a:t>
+            </a:r>
+            <a:r>
+              <a:rPr lang="en-US" altLang="zh-CN" dirty="0" err="1" smtClean="0"/>
+              <a:t>jquery</a:t>
+            </a:r>
+            <a:r>
+              <a:rPr lang="zh-CN" altLang="en-US" dirty="0" smtClean="0"/>
+              <a:t>、</a:t>
             </a:r>
             <a:r>
               <a:rPr lang="en-US" altLang="zh-CN" dirty="0" smtClean="0"/>
-              <a:t>web</a:t>
-            </a:r>
-            <a:r>
-              <a:rPr lang="zh-CN" altLang="en-US" dirty="0" smtClean="0"/>
-              <a:t>开发框架，暂不兼容</a:t>
+              <a:t>cache</a:t>
+            </a:r>
+            <a:r>
+              <a:rPr lang="zh-CN" altLang="en-US" dirty="0" smtClean="0"/>
+              <a:t>、</a:t>
             </a:r>
             <a:r>
               <a:rPr lang="en-US" altLang="zh-CN" dirty="0" smtClean="0"/>
-              <a:t>pc</a:t>
-            </a:r>
-            <a:r>
-              <a:rPr lang="zh-CN" altLang="en-US" dirty="0" smtClean="0"/>
-              <a:t>侧。</a:t>
-            </a:r>
-            <a:endParaRPr lang="en-US" altLang="zh-CN" dirty="0" smtClean="0"/>
-          </a:p>
-          <a:p>
-            <a:r>
-              <a:rPr lang="zh-CN" altLang="en-US" dirty="0" smtClean="0"/>
-              <a:t>能够帮助业务快速的完成移动触屏版本前端框架的搭建。</a:t>
-            </a:r>
-            <a:endParaRPr lang="en-US" altLang="zh-CN" dirty="0" smtClean="0"/>
-          </a:p>
-          <a:p>
-            <a:r>
-              <a:rPr lang="zh-CN" altLang="en-US" dirty="0" smtClean="0"/>
-              <a:t>主要特性：</a:t>
-            </a:r>
-            <a:endParaRPr lang="en-US" altLang="zh-CN" dirty="0" smtClean="0"/>
+              <a:t>event</a:t>
+            </a:r>
+            <a:r>
+              <a:rPr lang="zh-CN" altLang="en-US" dirty="0" smtClean="0"/>
+              <a:t>、</a:t>
+            </a:r>
+            <a:r>
+              <a:rPr lang="en-US" altLang="zh-CN" dirty="0" smtClean="0"/>
+              <a:t>info</a:t>
+            </a:r>
+            <a:r>
+              <a:rPr lang="zh-CN" altLang="en-US" dirty="0" smtClean="0"/>
+              <a:t>、</a:t>
+            </a:r>
+            <a:r>
+              <a:rPr lang="en-US" altLang="zh-CN" dirty="0" err="1" smtClean="0"/>
+              <a:t>tpl</a:t>
+            </a:r>
+            <a:r>
+              <a:rPr lang="zh-CN" altLang="en-US" dirty="0" smtClean="0"/>
+              <a:t>等常用功能</a:t>
+            </a:r>
+            <a:r>
+              <a:rPr lang="en-US" altLang="zh-CN" dirty="0" smtClean="0"/>
+              <a:t>module</a:t>
+            </a:r>
+            <a:r>
+              <a:rPr lang="zh-CN" altLang="en-US" dirty="0" smtClean="0"/>
+              <a:t>扩展</a:t>
+            </a:r>
           </a:p>
           <a:p>
             <a:pPr lvl="1"/>
             <a:r>
               <a:rPr lang="zh-CN" altLang="en-US" dirty="0" smtClean="0"/>
-              <a:t>不涉及</a:t>
-            </a:r>
-            <a:r>
-              <a:rPr lang="en-US" altLang="zh-CN" dirty="0" err="1" smtClean="0"/>
-              <a:t>ui</a:t>
-            </a:r>
-            <a:r>
-              <a:rPr lang="zh-CN" altLang="en-US" dirty="0" smtClean="0"/>
-              <a:t>层，不侵入业务，</a:t>
-            </a:r>
-            <a:r>
-              <a:rPr lang="zh-CN" altLang="en-US" dirty="0" smtClean="0"/>
-              <a:t>具有极强的扩展和兼容性</a:t>
-            </a:r>
-            <a:endParaRPr lang="en-US" altLang="zh-CN" dirty="0" smtClean="0"/>
-          </a:p>
-          <a:p>
-            <a:pPr lvl="1"/>
-            <a:r>
-              <a:rPr lang="zh-CN" altLang="en-US" dirty="0" smtClean="0"/>
-              <a:t>通过</a:t>
-            </a:r>
-            <a:r>
-              <a:rPr lang="en-US" altLang="zh-CN" dirty="0" err="1" smtClean="0"/>
-              <a:t>hashchange</a:t>
-            </a:r>
-            <a:r>
-              <a:rPr lang="zh-CN" altLang="en-US" dirty="0" smtClean="0"/>
-              <a:t>来进行业务模块路由控制</a:t>
-            </a:r>
-            <a:endParaRPr lang="en-US" altLang="zh-CN" dirty="0" smtClean="0"/>
-          </a:p>
-          <a:p>
-            <a:pPr lvl="1"/>
-            <a:r>
-              <a:rPr lang="zh-CN" altLang="en-US" dirty="0" smtClean="0"/>
               <a:t>内置消息通讯、事件消息机制</a:t>
-            </a:r>
-            <a:endParaRPr lang="en-US" altLang="zh-CN" dirty="0" smtClean="0"/>
-          </a:p>
-          <a:p>
-            <a:pPr lvl="1"/>
-            <a:r>
-              <a:rPr lang="zh-CN" altLang="en-US" dirty="0" smtClean="0"/>
-              <a:t>功能模块具备构造和析构方法</a:t>
             </a:r>
             <a:endParaRPr lang="en-US" altLang="zh-CN" dirty="0" smtClean="0"/>
           </a:p>
@@ -4571,7 +4776,7 @@
             <a:pPr lvl="1"/>
             <a:r>
               <a:rPr lang="zh-CN" altLang="en-US" dirty="0" smtClean="0"/>
-              <a:t>封装数据及缓存控制机制，支持灵活的数据优化</a:t>
+              <a:t>封装数据及缓存控制机制，支持灵活的数据性能优化</a:t>
             </a:r>
             <a:endParaRPr lang="en-US" altLang="zh-CN" dirty="0" smtClean="0"/>
           </a:p>
@@ -4613,6 +4818,54 @@
       </p:grpSpPr>
       <p:sp>
         <p:nvSpPr>
+          <p:cNvPr id="31" name="矩形 30"/>
+          <p:cNvSpPr/>
+          <p:nvPr/>
+        </p:nvSpPr>
+        <p:spPr>
+          <a:xfrm>
+            <a:off x="395539" y="2451885"/>
+            <a:ext cx="8424932" cy="3929443"/>
+          </a:xfrm>
+          <a:prstGeom prst="rect">
+            <a:avLst/>
+          </a:prstGeom>
+        </p:spPr>
+        <p:style>
+          <a:lnRef idx="2">
+            <a:schemeClr val="accent1"/>
+          </a:lnRef>
+          <a:fillRef idx="1">
+            <a:schemeClr val="lt1"/>
+          </a:fillRef>
+          <a:effectRef idx="0">
+            <a:schemeClr val="accent1"/>
+          </a:effectRef>
+          <a:fontRef idx="minor">
+            <a:schemeClr val="dk1"/>
+          </a:fontRef>
+        </p:style>
+        <p:txBody>
+          <a:bodyPr rtlCol="0" anchor="t"/>
+          <a:lstStyle/>
+          <a:p>
+            <a:r>
+              <a:rPr lang="en-US" altLang="zh-CN" b="1" dirty="0" err="1" smtClean="0"/>
+              <a:t>Mytouch</a:t>
+            </a:r>
+            <a:r>
+              <a:rPr lang="zh-CN" altLang="en-US" b="1" dirty="0" smtClean="0"/>
+              <a:t>框架</a:t>
+            </a:r>
+            <a:r>
+              <a:rPr lang="zh-CN" altLang="en-US" b="1" dirty="0"/>
+              <a:t>：</a:t>
+            </a:r>
+          </a:p>
+        </p:txBody>
+      </p:sp>
+      <p:sp>
+        <p:nvSpPr>
           <p:cNvPr id="2" name="标题 1"/>
           <p:cNvSpPr>
             <a:spLocks noGrp="1"/>
@@ -4628,7 +4881,7 @@
           <a:p>
             <a:r>
               <a:rPr lang="zh-CN" altLang="en-US" dirty="0" smtClean="0"/>
-              <a:t>主要框架</a:t>
+              <a:t>主要结构</a:t>
             </a:r>
             <a:endParaRPr lang="zh-CN" altLang="en-US" dirty="0"/>
           </a:p>
@@ -4642,8 +4895,8 @@
         </p:nvGrpSpPr>
         <p:grpSpPr>
           <a:xfrm>
-            <a:off x="395538" y="5486235"/>
-            <a:ext cx="8424933" cy="751077"/>
+            <a:off x="540959" y="5445224"/>
+            <a:ext cx="8135498" cy="751077"/>
             <a:chOff x="395538" y="5414227"/>
             <a:chExt cx="8424933" cy="751077"/>
           </a:xfrm>
@@ -4683,16 +4936,20 @@
             <a:p>
               <a:pPr algn="ctr"/>
               <a:r>
-                <a:rPr lang="en-US" altLang="zh-CN" b="1" dirty="0" err="1" smtClean="0"/>
-                <a:t>Seajs</a:t>
+                <a:rPr lang="en-US" altLang="zh-CN" b="1" dirty="0" err="1"/>
+                <a:t>Modulejs</a:t>
               </a:r>
-              <a:endParaRPr lang="en-US" altLang="zh-CN" sz="1200" b="1" dirty="0" smtClean="0"/>
+              <a:endParaRPr lang="en-US" altLang="zh-CN" b="1" dirty="0"/>
             </a:p>
             <a:p>
               <a:pPr algn="ctr"/>
               <a:r>
                 <a:rPr lang="zh-CN" altLang="en-US" sz="1200" dirty="0" smtClean="0"/>
-                <a:t>模块管理</a:t>
+                <a:t>模块</a:t>
+              </a:r>
+              <a:r>
+                <a:rPr lang="zh-CN" altLang="en-US" sz="1200" dirty="0" smtClean="0"/>
+                <a:t>管理</a:t>
               </a:r>
               <a:endParaRPr lang="zh-CN" altLang="en-US" sz="1200" dirty="0"/>
             </a:p>
@@ -5038,625 +5295,479 @@
       </p:grpSp>
       <p:grpSp>
         <p:nvGrpSpPr>
-          <p:cNvPr id="36" name="组合 35"/>
+          <p:cNvPr id="35" name="组合 34"/>
           <p:cNvGrpSpPr/>
           <p:nvPr/>
         </p:nvGrpSpPr>
         <p:grpSpPr>
           <a:xfrm>
-            <a:off x="395539" y="2451885"/>
-            <a:ext cx="8424932" cy="2921331"/>
-            <a:chOff x="395539" y="2451885"/>
-            <a:chExt cx="8424932" cy="2921331"/>
+            <a:off x="539554" y="2780928"/>
+            <a:ext cx="8138307" cy="2521716"/>
+            <a:chOff x="539554" y="2780928"/>
+            <a:chExt cx="8138307" cy="2521716"/>
           </a:xfrm>
         </p:grpSpPr>
         <p:sp>
           <p:nvSpPr>
-            <p:cNvPr id="31" name="矩形 30"/>
+            <p:cNvPr id="28" name="矩形 27"/>
             <p:cNvSpPr/>
             <p:nvPr/>
           </p:nvSpPr>
           <p:spPr>
             <a:xfrm>
-              <a:off x="395539" y="2451885"/>
-              <a:ext cx="8424932" cy="2921331"/>
+              <a:off x="6642231" y="3429000"/>
+              <a:ext cx="2034225" cy="538948"/>
             </a:xfrm>
             <a:prstGeom prst="rect">
               <a:avLst/>
             </a:prstGeom>
           </p:spPr>
           <p:style>
-            <a:lnRef idx="2">
-              <a:schemeClr val="accent1"/>
+            <a:lnRef idx="1">
+              <a:schemeClr val="accent4"/>
             </a:lnRef>
-            <a:fillRef idx="1">
-              <a:schemeClr val="lt1"/>
+            <a:fillRef idx="2">
+              <a:schemeClr val="accent4"/>
             </a:fillRef>
-            <a:effectRef idx="0">
-              <a:schemeClr val="accent1"/>
+            <a:effectRef idx="1">
+              <a:schemeClr val="accent4"/>
             </a:effectRef>
             <a:fontRef idx="minor">
               <a:schemeClr val="dk1"/>
             </a:fontRef>
           </p:style>
           <p:txBody>
-            <a:bodyPr rtlCol="0" anchor="t"/>
+            <a:bodyPr rtlCol="0" anchor="ctr"/>
             <a:lstStyle/>
             <a:p>
+              <a:pPr algn="ctr"/>
               <a:r>
-                <a:rPr lang="en-US" altLang="zh-CN" b="1" dirty="0" err="1" smtClean="0"/>
-                <a:t>Mytouch</a:t>
+                <a:rPr lang="en-US" altLang="zh-CN" b="1" dirty="0"/>
+                <a:t>Event model</a:t>
               </a:r>
+            </a:p>
+            <a:p>
+              <a:pPr algn="ctr"/>
               <a:r>
-                <a:rPr lang="zh-CN" altLang="en-US" b="1" dirty="0" smtClean="0"/>
-                <a:t>框架</a:t>
-              </a:r>
-              <a:r>
-                <a:rPr lang="zh-CN" altLang="en-US" b="1" dirty="0"/>
-                <a:t>：</a:t>
+                <a:rPr lang="zh-CN" altLang="en-US" sz="1200" dirty="0"/>
+                <a:t>事件管理模块</a:t>
               </a:r>
             </a:p>
           </p:txBody>
         </p:sp>
-        <p:grpSp>
-          <p:nvGrpSpPr>
-            <p:cNvPr id="35" name="组合 34"/>
-            <p:cNvGrpSpPr/>
+        <p:sp>
+          <p:nvSpPr>
+            <p:cNvPr id="8" name="矩形 7"/>
+            <p:cNvSpPr/>
             <p:nvPr/>
-          </p:nvGrpSpPr>
-          <p:grpSpPr>
+          </p:nvSpPr>
+          <p:spPr>
             <a:xfrm>
-              <a:off x="539553" y="2852936"/>
-              <a:ext cx="8138308" cy="2407164"/>
-              <a:chOff x="539553" y="2852936"/>
-              <a:chExt cx="8138308" cy="2407164"/>
+              <a:off x="539555" y="3967951"/>
+              <a:ext cx="2034225" cy="538950"/>
             </a:xfrm>
-          </p:grpSpPr>
-          <p:sp>
-            <p:nvSpPr>
-              <p:cNvPr id="27" name="矩形 26"/>
-              <p:cNvSpPr/>
-              <p:nvPr/>
-            </p:nvSpPr>
-            <p:spPr>
-              <a:xfrm>
-                <a:off x="6642230" y="4721146"/>
-                <a:ext cx="2034225" cy="538950"/>
-              </a:xfrm>
-              <a:prstGeom prst="rect">
-                <a:avLst/>
-              </a:prstGeom>
-            </p:spPr>
-            <p:style>
-              <a:lnRef idx="1">
-                <a:schemeClr val="accent6"/>
-              </a:lnRef>
-              <a:fillRef idx="2">
-                <a:schemeClr val="accent6"/>
-              </a:fillRef>
-              <a:effectRef idx="1">
-                <a:schemeClr val="accent6"/>
-              </a:effectRef>
-              <a:fontRef idx="minor">
-                <a:schemeClr val="dk1"/>
-              </a:fontRef>
-            </p:style>
-            <p:txBody>
-              <a:bodyPr rtlCol="0" anchor="ctr"/>
-              <a:lstStyle/>
-              <a:p>
-                <a:pPr algn="ctr"/>
-                <a:r>
-                  <a:rPr lang="en-US" altLang="zh-CN" b="1" dirty="0" smtClean="0"/>
-                  <a:t>info </a:t>
-                </a:r>
-                <a:r>
-                  <a:rPr lang="en-US" altLang="zh-CN" b="1" dirty="0" smtClean="0"/>
-                  <a:t>model</a:t>
-                </a:r>
-              </a:p>
-              <a:p>
-                <a:pPr algn="ctr"/>
-                <a:r>
-                  <a:rPr lang="zh-CN" altLang="en-US" sz="1200" dirty="0"/>
-                  <a:t>消息</a:t>
-                </a:r>
-                <a:r>
-                  <a:rPr lang="zh-CN" altLang="en-US" sz="1200" dirty="0" smtClean="0"/>
-                  <a:t>管理</a:t>
-                </a:r>
-                <a:r>
-                  <a:rPr lang="zh-CN" altLang="en-US" sz="1200" dirty="0" smtClean="0"/>
-                  <a:t>模块</a:t>
-                </a:r>
-                <a:endParaRPr lang="zh-CN" altLang="en-US" sz="1200" dirty="0"/>
-              </a:p>
-            </p:txBody>
-          </p:sp>
-          <p:sp>
-            <p:nvSpPr>
-              <p:cNvPr id="28" name="矩形 27"/>
-              <p:cNvSpPr/>
-              <p:nvPr/>
-            </p:nvSpPr>
-            <p:spPr>
-              <a:xfrm>
-                <a:off x="6642231" y="4182199"/>
-                <a:ext cx="2034225" cy="538948"/>
-              </a:xfrm>
-              <a:prstGeom prst="rect">
-                <a:avLst/>
-              </a:prstGeom>
-            </p:spPr>
-            <p:style>
-              <a:lnRef idx="1">
-                <a:schemeClr val="accent6"/>
-              </a:lnRef>
-              <a:fillRef idx="2">
-                <a:schemeClr val="accent6"/>
-              </a:fillRef>
-              <a:effectRef idx="1">
-                <a:schemeClr val="accent6"/>
-              </a:effectRef>
-              <a:fontRef idx="minor">
-                <a:schemeClr val="dk1"/>
-              </a:fontRef>
-            </p:style>
-            <p:txBody>
-              <a:bodyPr rtlCol="0" anchor="ctr"/>
-              <a:lstStyle/>
-              <a:p>
-                <a:pPr algn="ctr"/>
-                <a:r>
-                  <a:rPr lang="en-US" altLang="zh-CN" b="1" dirty="0" smtClean="0"/>
-                  <a:t>Event model</a:t>
-                </a:r>
-                <a:endParaRPr lang="en-US" altLang="zh-CN" b="1" dirty="0" smtClean="0"/>
-              </a:p>
-              <a:p>
-                <a:pPr algn="ctr"/>
-                <a:r>
-                  <a:rPr lang="zh-CN" altLang="en-US" sz="1200" dirty="0"/>
-                  <a:t>事件</a:t>
-                </a:r>
-                <a:r>
-                  <a:rPr lang="zh-CN" altLang="en-US" sz="1200" dirty="0" smtClean="0"/>
-                  <a:t>管理</a:t>
-                </a:r>
-                <a:r>
-                  <a:rPr lang="zh-CN" altLang="en-US" sz="1200" dirty="0" smtClean="0"/>
-                  <a:t>模块</a:t>
-                </a:r>
-                <a:endParaRPr lang="zh-CN" altLang="en-US" sz="1200" dirty="0"/>
-              </a:p>
-            </p:txBody>
-          </p:sp>
-          <p:sp>
-            <p:nvSpPr>
-              <p:cNvPr id="8" name="矩形 7"/>
-              <p:cNvSpPr/>
-              <p:nvPr/>
-            </p:nvSpPr>
-            <p:spPr>
-              <a:xfrm>
-                <a:off x="539555" y="4721150"/>
-                <a:ext cx="2034225" cy="538950"/>
-              </a:xfrm>
-              <a:prstGeom prst="rect">
-                <a:avLst/>
-              </a:prstGeom>
-            </p:spPr>
-            <p:style>
-              <a:lnRef idx="1">
-                <a:schemeClr val="accent6"/>
-              </a:lnRef>
-              <a:fillRef idx="2">
-                <a:schemeClr val="accent6"/>
-              </a:fillRef>
-              <a:effectRef idx="1">
-                <a:schemeClr val="accent6"/>
-              </a:effectRef>
-              <a:fontRef idx="minor">
-                <a:schemeClr val="dk1"/>
-              </a:fontRef>
-            </p:style>
-            <p:txBody>
-              <a:bodyPr rtlCol="0" anchor="ctr"/>
-              <a:lstStyle/>
-              <a:p>
-                <a:pPr algn="ctr"/>
-                <a:r>
-                  <a:rPr lang="en-US" altLang="zh-CN" b="1" dirty="0" err="1" smtClean="0"/>
-                  <a:t>Tpl</a:t>
-                </a:r>
-                <a:r>
-                  <a:rPr lang="en-US" altLang="zh-CN" b="1" dirty="0" smtClean="0"/>
-                  <a:t> model</a:t>
-                </a:r>
-                <a:endParaRPr lang="en-US" altLang="zh-CN" b="1" dirty="0" smtClean="0"/>
-              </a:p>
-              <a:p>
-                <a:pPr algn="ctr"/>
-                <a:r>
-                  <a:rPr lang="zh-CN" altLang="en-US" sz="1200" dirty="0" smtClean="0"/>
-                  <a:t>模板引擎</a:t>
-                </a:r>
-                <a:endParaRPr lang="zh-CN" altLang="en-US" sz="1200" dirty="0"/>
-              </a:p>
-            </p:txBody>
-          </p:sp>
-          <p:sp>
-            <p:nvSpPr>
-              <p:cNvPr id="9" name="矩形 8"/>
-              <p:cNvSpPr/>
-              <p:nvPr/>
-            </p:nvSpPr>
-            <p:spPr>
-              <a:xfrm>
-                <a:off x="2573781" y="4721150"/>
-                <a:ext cx="2034225" cy="538950"/>
-              </a:xfrm>
-              <a:prstGeom prst="rect">
-                <a:avLst/>
-              </a:prstGeom>
-            </p:spPr>
-            <p:style>
-              <a:lnRef idx="1">
-                <a:schemeClr val="accent6"/>
-              </a:lnRef>
-              <a:fillRef idx="2">
-                <a:schemeClr val="accent6"/>
-              </a:fillRef>
-              <a:effectRef idx="1">
-                <a:schemeClr val="accent6"/>
-              </a:effectRef>
-              <a:fontRef idx="minor">
-                <a:schemeClr val="dk1"/>
-              </a:fontRef>
-            </p:style>
-            <p:txBody>
-              <a:bodyPr rtlCol="0" anchor="ctr"/>
-              <a:lstStyle/>
-              <a:p>
-                <a:pPr algn="ctr"/>
-                <a:r>
-                  <a:rPr lang="en-US" altLang="zh-CN" b="1" dirty="0" err="1" smtClean="0"/>
-                  <a:t>url</a:t>
-                </a:r>
-                <a:r>
-                  <a:rPr lang="en-US" altLang="zh-CN" b="1" dirty="0"/>
-                  <a:t> </a:t>
-                </a:r>
-                <a:r>
-                  <a:rPr lang="en-US" altLang="zh-CN" b="1" dirty="0" smtClean="0"/>
-                  <a:t>model</a:t>
-                </a:r>
-              </a:p>
-              <a:p>
-                <a:pPr algn="ctr"/>
-                <a:r>
-                  <a:rPr lang="en-US" altLang="zh-CN" sz="1200" dirty="0" err="1" smtClean="0"/>
-                  <a:t>url</a:t>
-                </a:r>
-                <a:r>
-                  <a:rPr lang="zh-CN" altLang="en-US" sz="1200" dirty="0" smtClean="0"/>
-                  <a:t>操作模块</a:t>
-                </a:r>
-                <a:endParaRPr lang="zh-CN" altLang="en-US" sz="1200" dirty="0"/>
-              </a:p>
-            </p:txBody>
-          </p:sp>
-          <p:sp>
-            <p:nvSpPr>
-              <p:cNvPr id="10" name="矩形 9"/>
-              <p:cNvSpPr/>
-              <p:nvPr/>
-            </p:nvSpPr>
-            <p:spPr>
-              <a:xfrm>
-                <a:off x="4608005" y="4721148"/>
-                <a:ext cx="2034225" cy="538950"/>
-              </a:xfrm>
-              <a:prstGeom prst="rect">
-                <a:avLst/>
-              </a:prstGeom>
-            </p:spPr>
-            <p:style>
-              <a:lnRef idx="1">
-                <a:schemeClr val="accent6"/>
-              </a:lnRef>
-              <a:fillRef idx="2">
-                <a:schemeClr val="accent6"/>
-              </a:fillRef>
-              <a:effectRef idx="1">
-                <a:schemeClr val="accent6"/>
-              </a:effectRef>
-              <a:fontRef idx="minor">
-                <a:schemeClr val="dk1"/>
-              </a:fontRef>
-            </p:style>
-            <p:txBody>
-              <a:bodyPr rtlCol="0" anchor="ctr"/>
-              <a:lstStyle/>
-              <a:p>
-                <a:pPr algn="ctr"/>
-                <a:r>
-                  <a:rPr lang="en-US" altLang="zh-CN" b="1" dirty="0" smtClean="0"/>
-                  <a:t>info </a:t>
-                </a:r>
-                <a:r>
-                  <a:rPr lang="en-US" altLang="zh-CN" b="1" dirty="0" smtClean="0"/>
-                  <a:t>model</a:t>
-                </a:r>
-              </a:p>
-              <a:p>
-                <a:pPr algn="ctr"/>
-                <a:r>
-                  <a:rPr lang="zh-CN" altLang="en-US" sz="1200" dirty="0"/>
-                  <a:t>消息</a:t>
-                </a:r>
-                <a:r>
-                  <a:rPr lang="zh-CN" altLang="en-US" sz="1200" dirty="0" smtClean="0"/>
-                  <a:t>管理</a:t>
-                </a:r>
-                <a:r>
-                  <a:rPr lang="zh-CN" altLang="en-US" sz="1200" dirty="0" smtClean="0"/>
-                  <a:t>模块</a:t>
-                </a:r>
-                <a:endParaRPr lang="zh-CN" altLang="en-US" sz="1200" dirty="0"/>
-              </a:p>
-            </p:txBody>
-          </p:sp>
-          <p:sp>
-            <p:nvSpPr>
-              <p:cNvPr id="11" name="矩形 10"/>
-              <p:cNvSpPr/>
-              <p:nvPr/>
-            </p:nvSpPr>
-            <p:spPr>
-              <a:xfrm>
-                <a:off x="4608005" y="4182200"/>
-                <a:ext cx="2034225" cy="538948"/>
-              </a:xfrm>
-              <a:prstGeom prst="rect">
-                <a:avLst/>
-              </a:prstGeom>
-            </p:spPr>
-            <p:style>
-              <a:lnRef idx="1">
-                <a:schemeClr val="accent6"/>
-              </a:lnRef>
-              <a:fillRef idx="2">
-                <a:schemeClr val="accent6"/>
-              </a:fillRef>
-              <a:effectRef idx="1">
-                <a:schemeClr val="accent6"/>
-              </a:effectRef>
-              <a:fontRef idx="minor">
-                <a:schemeClr val="dk1"/>
-              </a:fontRef>
-            </p:style>
-            <p:txBody>
-              <a:bodyPr rtlCol="0" anchor="ctr"/>
-              <a:lstStyle/>
-              <a:p>
-                <a:pPr algn="ctr"/>
-                <a:r>
-                  <a:rPr lang="en-US" altLang="zh-CN" b="1" dirty="0" smtClean="0"/>
-                  <a:t>Device model</a:t>
-                </a:r>
-              </a:p>
-              <a:p>
-                <a:pPr algn="ctr"/>
-                <a:r>
-                  <a:rPr lang="zh-CN" altLang="en-US" sz="1200" dirty="0" smtClean="0"/>
-                  <a:t>设备管理模块</a:t>
-                </a:r>
-                <a:endParaRPr lang="zh-CN" altLang="en-US" sz="1200" dirty="0"/>
-              </a:p>
-            </p:txBody>
-          </p:sp>
-          <p:sp>
-            <p:nvSpPr>
-              <p:cNvPr id="12" name="矩形 11"/>
-              <p:cNvSpPr/>
-              <p:nvPr/>
-            </p:nvSpPr>
-            <p:spPr>
-              <a:xfrm>
-                <a:off x="2573781" y="4182200"/>
-                <a:ext cx="2034225" cy="538948"/>
-              </a:xfrm>
-              <a:prstGeom prst="rect">
-                <a:avLst/>
-              </a:prstGeom>
-            </p:spPr>
-            <p:style>
-              <a:lnRef idx="1">
-                <a:schemeClr val="accent6"/>
-              </a:lnRef>
-              <a:fillRef idx="2">
-                <a:schemeClr val="accent6"/>
-              </a:fillRef>
-              <a:effectRef idx="1">
-                <a:schemeClr val="accent6"/>
-              </a:effectRef>
-              <a:fontRef idx="minor">
-                <a:schemeClr val="dk1"/>
-              </a:fontRef>
-            </p:style>
-            <p:txBody>
-              <a:bodyPr rtlCol="0" anchor="ctr"/>
-              <a:lstStyle/>
-              <a:p>
-                <a:pPr algn="ctr"/>
-                <a:r>
-                  <a:rPr lang="en-US" altLang="zh-CN" b="1" dirty="0" smtClean="0"/>
-                  <a:t>Cache model</a:t>
-                </a:r>
-              </a:p>
-              <a:p>
-                <a:pPr algn="ctr"/>
-                <a:r>
-                  <a:rPr lang="zh-CN" altLang="en-US" sz="1200" dirty="0" smtClean="0"/>
-                  <a:t>缓存管理模块</a:t>
-                </a:r>
-                <a:endParaRPr lang="zh-CN" altLang="en-US" sz="1200" dirty="0"/>
-              </a:p>
-            </p:txBody>
-          </p:sp>
-          <p:sp>
-            <p:nvSpPr>
-              <p:cNvPr id="13" name="矩形 12"/>
-              <p:cNvSpPr/>
-              <p:nvPr/>
-            </p:nvSpPr>
-            <p:spPr>
-              <a:xfrm>
-                <a:off x="539555" y="4182200"/>
-                <a:ext cx="2034225" cy="538948"/>
-              </a:xfrm>
-              <a:prstGeom prst="rect">
-                <a:avLst/>
-              </a:prstGeom>
-            </p:spPr>
-            <p:style>
-              <a:lnRef idx="1">
-                <a:schemeClr val="accent6"/>
-              </a:lnRef>
-              <a:fillRef idx="2">
-                <a:schemeClr val="accent6"/>
-              </a:fillRef>
-              <a:effectRef idx="1">
-                <a:schemeClr val="accent6"/>
-              </a:effectRef>
-              <a:fontRef idx="minor">
-                <a:schemeClr val="dk1"/>
-              </a:fontRef>
-            </p:style>
-            <p:txBody>
-              <a:bodyPr rtlCol="0" anchor="ctr"/>
-              <a:lstStyle/>
-              <a:p>
-                <a:pPr algn="ctr"/>
-                <a:r>
-                  <a:rPr lang="en-US" altLang="zh-CN" b="1" dirty="0" err="1" smtClean="0"/>
-                  <a:t>Testtool</a:t>
-                </a:r>
-                <a:r>
-                  <a:rPr lang="en-US" altLang="zh-CN" b="1" dirty="0" smtClean="0"/>
-                  <a:t> model</a:t>
-                </a:r>
-              </a:p>
-              <a:p>
-                <a:pPr algn="ctr"/>
-                <a:r>
-                  <a:rPr lang="zh-CN" altLang="en-US" sz="1200" dirty="0" smtClean="0"/>
-                  <a:t>调试工具模块</a:t>
-                </a:r>
-                <a:endParaRPr lang="zh-CN" altLang="en-US" sz="1200" dirty="0"/>
-              </a:p>
-            </p:txBody>
-          </p:sp>
-          <p:sp>
-            <p:nvSpPr>
-              <p:cNvPr id="21" name="矩形 20"/>
-              <p:cNvSpPr/>
-              <p:nvPr/>
-            </p:nvSpPr>
-            <p:spPr>
-              <a:xfrm>
-                <a:off x="540959" y="2852936"/>
-                <a:ext cx="8136902" cy="648072"/>
-              </a:xfrm>
-              <a:prstGeom prst="rect">
-                <a:avLst/>
-              </a:prstGeom>
-            </p:spPr>
-            <p:style>
-              <a:lnRef idx="1">
-                <a:schemeClr val="accent4"/>
-              </a:lnRef>
-              <a:fillRef idx="2">
-                <a:schemeClr val="accent4"/>
-              </a:fillRef>
-              <a:effectRef idx="1">
-                <a:schemeClr val="accent4"/>
-              </a:effectRef>
-              <a:fontRef idx="minor">
-                <a:schemeClr val="dk1"/>
-              </a:fontRef>
-            </p:style>
-            <p:txBody>
-              <a:bodyPr rtlCol="0" anchor="ctr"/>
-              <a:lstStyle/>
-              <a:p>
-                <a:pPr algn="ctr"/>
-                <a:r>
-                  <a:rPr lang="en-US" altLang="zh-CN" b="1" dirty="0"/>
-                  <a:t>Data model</a:t>
-                </a:r>
-              </a:p>
-              <a:p>
-                <a:pPr algn="ctr"/>
-                <a:r>
-                  <a:rPr lang="zh-CN" altLang="en-US" sz="1200" dirty="0"/>
-                  <a:t>数据中心，负责数据加载、缓存控制</a:t>
-                </a:r>
-                <a:endParaRPr lang="zh-CN" altLang="en-US" sz="1200" dirty="0"/>
-              </a:p>
-            </p:txBody>
-          </p:sp>
-          <p:sp>
-            <p:nvSpPr>
-              <p:cNvPr id="14" name="矩形 13"/>
-              <p:cNvSpPr/>
-              <p:nvPr/>
-            </p:nvSpPr>
-            <p:spPr>
-              <a:xfrm>
-                <a:off x="539553" y="3501008"/>
-                <a:ext cx="8136902" cy="700635"/>
-              </a:xfrm>
-              <a:prstGeom prst="rect">
-                <a:avLst/>
-              </a:prstGeom>
-            </p:spPr>
-            <p:style>
-              <a:lnRef idx="1">
-                <a:schemeClr val="accent6"/>
-              </a:lnRef>
-              <a:fillRef idx="2">
-                <a:schemeClr val="accent6"/>
-              </a:fillRef>
-              <a:effectRef idx="1">
-                <a:schemeClr val="accent6"/>
-              </a:effectRef>
-              <a:fontRef idx="minor">
-                <a:schemeClr val="dk1"/>
-              </a:fontRef>
-            </p:style>
-            <p:txBody>
-              <a:bodyPr rtlCol="0" anchor="ctr"/>
-              <a:lstStyle/>
-              <a:p>
-                <a:pPr algn="ctr"/>
-                <a:r>
-                  <a:rPr lang="en-US" altLang="zh-CN" b="1" dirty="0" smtClean="0"/>
-                  <a:t>Frame model</a:t>
-                </a:r>
-              </a:p>
-              <a:p>
-                <a:pPr algn="ctr"/>
-                <a:r>
-                  <a:rPr lang="zh-CN" altLang="en-US" sz="1200" dirty="0" smtClean="0"/>
-                  <a:t>主入口：路由引擎及模块控制</a:t>
-                </a:r>
-                <a:endParaRPr lang="zh-CN" altLang="en-US" sz="1200" dirty="0"/>
-              </a:p>
-            </p:txBody>
-          </p:sp>
-        </p:grpSp>
+            <a:prstGeom prst="rect">
+              <a:avLst/>
+            </a:prstGeom>
+          </p:spPr>
+          <p:style>
+            <a:lnRef idx="1">
+              <a:schemeClr val="accent4"/>
+            </a:lnRef>
+            <a:fillRef idx="2">
+              <a:schemeClr val="accent4"/>
+            </a:fillRef>
+            <a:effectRef idx="1">
+              <a:schemeClr val="accent4"/>
+            </a:effectRef>
+            <a:fontRef idx="minor">
+              <a:schemeClr val="dk1"/>
+            </a:fontRef>
+          </p:style>
+          <p:txBody>
+            <a:bodyPr rtlCol="0" anchor="ctr"/>
+            <a:lstStyle/>
+            <a:p>
+              <a:pPr algn="ctr"/>
+              <a:r>
+                <a:rPr lang="en-US" altLang="zh-CN" b="1" dirty="0" err="1"/>
+                <a:t>Tpl</a:t>
+              </a:r>
+              <a:r>
+                <a:rPr lang="en-US" altLang="zh-CN" b="1" dirty="0"/>
+                <a:t> model</a:t>
+              </a:r>
+            </a:p>
+            <a:p>
+              <a:pPr algn="ctr"/>
+              <a:r>
+                <a:rPr lang="zh-CN" altLang="en-US" sz="1200" dirty="0"/>
+                <a:t>模板引擎</a:t>
+              </a:r>
+            </a:p>
+          </p:txBody>
+        </p:sp>
+        <p:sp>
+          <p:nvSpPr>
+            <p:cNvPr id="9" name="矩形 8"/>
+            <p:cNvSpPr/>
+            <p:nvPr/>
+          </p:nvSpPr>
+          <p:spPr>
+            <a:xfrm>
+              <a:off x="2573781" y="3967951"/>
+              <a:ext cx="2034225" cy="538950"/>
+            </a:xfrm>
+            <a:prstGeom prst="rect">
+              <a:avLst/>
+            </a:prstGeom>
+          </p:spPr>
+          <p:style>
+            <a:lnRef idx="1">
+              <a:schemeClr val="accent4"/>
+            </a:lnRef>
+            <a:fillRef idx="2">
+              <a:schemeClr val="accent4"/>
+            </a:fillRef>
+            <a:effectRef idx="1">
+              <a:schemeClr val="accent4"/>
+            </a:effectRef>
+            <a:fontRef idx="minor">
+              <a:schemeClr val="dk1"/>
+            </a:fontRef>
+          </p:style>
+          <p:txBody>
+            <a:bodyPr rtlCol="0" anchor="ctr"/>
+            <a:lstStyle/>
+            <a:p>
+              <a:pPr algn="ctr"/>
+              <a:r>
+                <a:rPr lang="en-US" altLang="zh-CN" b="1" dirty="0" err="1"/>
+                <a:t>url</a:t>
+              </a:r>
+              <a:r>
+                <a:rPr lang="en-US" altLang="zh-CN" b="1" dirty="0"/>
+                <a:t> </a:t>
+              </a:r>
+              <a:r>
+                <a:rPr lang="en-US" altLang="zh-CN" b="1" dirty="0"/>
+                <a:t>model</a:t>
+              </a:r>
+            </a:p>
+            <a:p>
+              <a:pPr algn="ctr"/>
+              <a:r>
+                <a:rPr lang="en-US" altLang="zh-CN" sz="1200" dirty="0" err="1"/>
+                <a:t>url</a:t>
+              </a:r>
+              <a:r>
+                <a:rPr lang="zh-CN" altLang="en-US" sz="1200" dirty="0"/>
+                <a:t>操作模块</a:t>
+              </a:r>
+            </a:p>
+          </p:txBody>
+        </p:sp>
+        <p:sp>
+          <p:nvSpPr>
+            <p:cNvPr id="10" name="矩形 9"/>
+            <p:cNvSpPr/>
+            <p:nvPr/>
+          </p:nvSpPr>
+          <p:spPr>
+            <a:xfrm>
+              <a:off x="4608005" y="3967949"/>
+              <a:ext cx="2034225" cy="538950"/>
+            </a:xfrm>
+            <a:prstGeom prst="rect">
+              <a:avLst/>
+            </a:prstGeom>
+          </p:spPr>
+          <p:style>
+            <a:lnRef idx="1">
+              <a:schemeClr val="accent4"/>
+            </a:lnRef>
+            <a:fillRef idx="2">
+              <a:schemeClr val="accent4"/>
+            </a:fillRef>
+            <a:effectRef idx="1">
+              <a:schemeClr val="accent4"/>
+            </a:effectRef>
+            <a:fontRef idx="minor">
+              <a:schemeClr val="dk1"/>
+            </a:fontRef>
+          </p:style>
+          <p:txBody>
+            <a:bodyPr rtlCol="0" anchor="ctr"/>
+            <a:lstStyle/>
+            <a:p>
+              <a:pPr algn="ctr"/>
+              <a:r>
+                <a:rPr lang="en-US" altLang="zh-CN" b="1" dirty="0"/>
+                <a:t>info model</a:t>
+              </a:r>
+            </a:p>
+            <a:p>
+              <a:pPr algn="ctr"/>
+              <a:r>
+                <a:rPr lang="zh-CN" altLang="en-US" sz="1200" dirty="0"/>
+                <a:t>消息管理模块</a:t>
+              </a:r>
+            </a:p>
+          </p:txBody>
+        </p:sp>
+        <p:sp>
+          <p:nvSpPr>
+            <p:cNvPr id="11" name="矩形 10"/>
+            <p:cNvSpPr/>
+            <p:nvPr/>
+          </p:nvSpPr>
+          <p:spPr>
+            <a:xfrm>
+              <a:off x="4608005" y="3429001"/>
+              <a:ext cx="2034225" cy="538948"/>
+            </a:xfrm>
+            <a:prstGeom prst="rect">
+              <a:avLst/>
+            </a:prstGeom>
+          </p:spPr>
+          <p:style>
+            <a:lnRef idx="1">
+              <a:schemeClr val="accent4"/>
+            </a:lnRef>
+            <a:fillRef idx="2">
+              <a:schemeClr val="accent4"/>
+            </a:fillRef>
+            <a:effectRef idx="1">
+              <a:schemeClr val="accent4"/>
+            </a:effectRef>
+            <a:fontRef idx="minor">
+              <a:schemeClr val="dk1"/>
+            </a:fontRef>
+          </p:style>
+          <p:txBody>
+            <a:bodyPr rtlCol="0" anchor="ctr"/>
+            <a:lstStyle/>
+            <a:p>
+              <a:pPr algn="ctr"/>
+              <a:r>
+                <a:rPr lang="en-US" altLang="zh-CN" b="1" dirty="0"/>
+                <a:t>Device model</a:t>
+              </a:r>
+            </a:p>
+            <a:p>
+              <a:pPr algn="ctr"/>
+              <a:r>
+                <a:rPr lang="zh-CN" altLang="en-US" sz="1200" dirty="0"/>
+                <a:t>设备管理模块</a:t>
+              </a:r>
+            </a:p>
+          </p:txBody>
+        </p:sp>
+        <p:sp>
+          <p:nvSpPr>
+            <p:cNvPr id="12" name="矩形 11"/>
+            <p:cNvSpPr/>
+            <p:nvPr/>
+          </p:nvSpPr>
+          <p:spPr>
+            <a:xfrm>
+              <a:off x="2573781" y="3429001"/>
+              <a:ext cx="2034225" cy="538948"/>
+            </a:xfrm>
+            <a:prstGeom prst="rect">
+              <a:avLst/>
+            </a:prstGeom>
+          </p:spPr>
+          <p:style>
+            <a:lnRef idx="1">
+              <a:schemeClr val="accent4"/>
+            </a:lnRef>
+            <a:fillRef idx="2">
+              <a:schemeClr val="accent4"/>
+            </a:fillRef>
+            <a:effectRef idx="1">
+              <a:schemeClr val="accent4"/>
+            </a:effectRef>
+            <a:fontRef idx="minor">
+              <a:schemeClr val="dk1"/>
+            </a:fontRef>
+          </p:style>
+          <p:txBody>
+            <a:bodyPr rtlCol="0" anchor="ctr"/>
+            <a:lstStyle/>
+            <a:p>
+              <a:pPr algn="ctr"/>
+              <a:r>
+                <a:rPr lang="en-US" altLang="zh-CN" b="1" dirty="0"/>
+                <a:t>Cache model</a:t>
+              </a:r>
+            </a:p>
+            <a:p>
+              <a:pPr algn="ctr"/>
+              <a:r>
+                <a:rPr lang="zh-CN" altLang="en-US" sz="1200" dirty="0"/>
+                <a:t>缓存管理模块</a:t>
+              </a:r>
+            </a:p>
+          </p:txBody>
+        </p:sp>
+        <p:sp>
+          <p:nvSpPr>
+            <p:cNvPr id="13" name="矩形 12"/>
+            <p:cNvSpPr/>
+            <p:nvPr/>
+          </p:nvSpPr>
+          <p:spPr>
+            <a:xfrm>
+              <a:off x="539555" y="3429001"/>
+              <a:ext cx="2034225" cy="538948"/>
+            </a:xfrm>
+            <a:prstGeom prst="rect">
+              <a:avLst/>
+            </a:prstGeom>
+          </p:spPr>
+          <p:style>
+            <a:lnRef idx="1">
+              <a:schemeClr val="accent4"/>
+            </a:lnRef>
+            <a:fillRef idx="2">
+              <a:schemeClr val="accent4"/>
+            </a:fillRef>
+            <a:effectRef idx="1">
+              <a:schemeClr val="accent4"/>
+            </a:effectRef>
+            <a:fontRef idx="minor">
+              <a:schemeClr val="dk1"/>
+            </a:fontRef>
+          </p:style>
+          <p:txBody>
+            <a:bodyPr rtlCol="0" anchor="ctr"/>
+            <a:lstStyle/>
+            <a:p>
+              <a:pPr algn="ctr"/>
+              <a:r>
+                <a:rPr lang="en-US" altLang="zh-CN" b="1" dirty="0"/>
+                <a:t>Monitor model</a:t>
+              </a:r>
+            </a:p>
+            <a:p>
+              <a:pPr algn="ctr"/>
+              <a:r>
+                <a:rPr lang="zh-CN" altLang="en-US" sz="1200" dirty="0"/>
+                <a:t>调试工具模块</a:t>
+              </a:r>
+            </a:p>
+          </p:txBody>
+        </p:sp>
+        <p:sp>
+          <p:nvSpPr>
+            <p:cNvPr id="21" name="矩形 20"/>
+            <p:cNvSpPr/>
+            <p:nvPr/>
+          </p:nvSpPr>
+          <p:spPr>
+            <a:xfrm>
+              <a:off x="540959" y="2780928"/>
+              <a:ext cx="8136902" cy="648072"/>
+            </a:xfrm>
+            <a:prstGeom prst="rect">
+              <a:avLst/>
+            </a:prstGeom>
+          </p:spPr>
+          <p:style>
+            <a:lnRef idx="1">
+              <a:schemeClr val="accent4"/>
+            </a:lnRef>
+            <a:fillRef idx="2">
+              <a:schemeClr val="accent4"/>
+            </a:fillRef>
+            <a:effectRef idx="1">
+              <a:schemeClr val="accent4"/>
+            </a:effectRef>
+            <a:fontRef idx="minor">
+              <a:schemeClr val="dk1"/>
+            </a:fontRef>
+          </p:style>
+          <p:txBody>
+            <a:bodyPr rtlCol="0" anchor="ctr"/>
+            <a:lstStyle/>
+            <a:p>
+              <a:pPr algn="ctr"/>
+              <a:r>
+                <a:rPr lang="en-US" altLang="zh-CN" b="1" dirty="0"/>
+                <a:t>Data model</a:t>
+              </a:r>
+            </a:p>
+            <a:p>
+              <a:pPr algn="ctr"/>
+              <a:r>
+                <a:rPr lang="zh-CN" altLang="en-US" sz="1200" dirty="0"/>
+                <a:t>数据中心，负责数据加载、缓存控制</a:t>
+              </a:r>
+            </a:p>
+          </p:txBody>
+        </p:sp>
+        <p:sp>
+          <p:nvSpPr>
+            <p:cNvPr id="14" name="矩形 13"/>
+            <p:cNvSpPr/>
+            <p:nvPr/>
+          </p:nvSpPr>
+          <p:spPr>
+            <a:xfrm>
+              <a:off x="539554" y="4602009"/>
+              <a:ext cx="8136902" cy="700635"/>
+            </a:xfrm>
+            <a:prstGeom prst="rect">
+              <a:avLst/>
+            </a:prstGeom>
+          </p:spPr>
+          <p:style>
+            <a:lnRef idx="1">
+              <a:schemeClr val="accent6"/>
+            </a:lnRef>
+            <a:fillRef idx="2">
+              <a:schemeClr val="accent6"/>
+            </a:fillRef>
+            <a:effectRef idx="1">
+              <a:schemeClr val="accent6"/>
+            </a:effectRef>
+            <a:fontRef idx="minor">
+              <a:schemeClr val="dk1"/>
+            </a:fontRef>
+          </p:style>
+          <p:txBody>
+            <a:bodyPr rtlCol="0" anchor="ctr"/>
+            <a:lstStyle/>
+            <a:p>
+              <a:pPr algn="ctr"/>
+              <a:r>
+                <a:rPr lang="en-US" altLang="zh-CN" b="1" dirty="0" err="1" smtClean="0"/>
+                <a:t>mytouch</a:t>
+              </a:r>
+              <a:r>
+                <a:rPr lang="en-US" altLang="zh-CN" b="1" dirty="0" smtClean="0"/>
+                <a:t> </a:t>
+              </a:r>
+              <a:r>
+                <a:rPr lang="en-US" altLang="zh-CN" b="1" dirty="0" smtClean="0"/>
+                <a:t>model</a:t>
+              </a:r>
+            </a:p>
+            <a:p>
+              <a:pPr algn="ctr"/>
+              <a:r>
+                <a:rPr lang="en-US" altLang="zh-CN" sz="1200" dirty="0" err="1" smtClean="0"/>
+                <a:t>mytouch</a:t>
+              </a:r>
+              <a:r>
+                <a:rPr lang="zh-CN" altLang="en-US" sz="1200" dirty="0" smtClean="0"/>
+                <a:t>核心引擎</a:t>
+              </a:r>
+              <a:endParaRPr lang="zh-CN" altLang="en-US" sz="1200" dirty="0"/>
+            </a:p>
+          </p:txBody>
+        </p:sp>
       </p:grpSp>
     </p:spTree>
     <p:extLst>
@@ -5711,131 +5822,62 @@
           <a:lstStyle/>
           <a:p>
             <a:r>
-              <a:rPr lang="zh-CN" altLang="en-US" dirty="0" smtClean="0"/>
-              <a:t>部署（</a:t>
-            </a:r>
-            <a:r>
-              <a:rPr lang="en-US" altLang="zh-CN" dirty="0" smtClean="0"/>
-              <a:t>1</a:t>
-            </a:r>
-            <a:r>
-              <a:rPr lang="zh-CN" altLang="en-US" dirty="0" smtClean="0"/>
-              <a:t>）</a:t>
-            </a:r>
-            <a:r>
-              <a:rPr lang="en-US" altLang="zh-CN" dirty="0" smtClean="0"/>
-              <a:t>demo</a:t>
+              <a:rPr lang="en-US" altLang="zh-CN" dirty="0" err="1" smtClean="0"/>
+              <a:t>Mytouch</a:t>
+            </a:r>
+            <a:r>
+              <a:rPr lang="zh-CN" altLang="en-US" dirty="0" smtClean="0"/>
+              <a:t>的主时序图</a:t>
             </a:r>
             <a:endParaRPr lang="zh-CN" altLang="en-US" dirty="0"/>
           </a:p>
         </p:txBody>
       </p:sp>
-      <p:sp>
-        <p:nvSpPr>
-          <p:cNvPr id="3" name="内容占位符 2"/>
-          <p:cNvSpPr>
-            <a:spLocks noGrp="1"/>
-          </p:cNvSpPr>
-          <p:nvPr>
-            <p:ph idx="1"/>
-          </p:nvPr>
-        </p:nvSpPr>
-        <p:spPr/>
-        <p:txBody>
-          <a:bodyPr/>
-          <a:lstStyle/>
-          <a:p>
-            <a:r>
-              <a:rPr lang="en-US" altLang="zh-CN" dirty="0" err="1" smtClean="0"/>
-              <a:t>Github</a:t>
-            </a:r>
-            <a:r>
-              <a:rPr lang="zh-CN" altLang="en-US" dirty="0" smtClean="0"/>
-              <a:t>：</a:t>
-            </a:r>
-            <a:r>
-              <a:rPr lang="en-US" altLang="zh-CN" dirty="0" smtClean="0">
-                <a:hlinkClick r:id="rId3"/>
-              </a:rPr>
-              <a:t>https://github.com/xukaipeng/mytouch</a:t>
-            </a:r>
-            <a:endParaRPr lang="en-US" altLang="zh-CN" dirty="0" smtClean="0"/>
-          </a:p>
-          <a:p>
-            <a:r>
-              <a:rPr lang="zh-CN" altLang="en-US" dirty="0" smtClean="0"/>
-              <a:t>下载整个包</a:t>
-            </a:r>
-            <a:endParaRPr lang="en-US" altLang="zh-CN" dirty="0" smtClean="0"/>
-          </a:p>
-          <a:p>
-            <a:r>
-              <a:rPr lang="zh-CN" altLang="en-US" dirty="0" smtClean="0"/>
-              <a:t>将整个目录上传到任一个域名下面</a:t>
-            </a:r>
-            <a:r>
-              <a:rPr lang="en-US" altLang="zh-CN" dirty="0" smtClean="0"/>
-              <a:t>,</a:t>
-            </a:r>
-            <a:r>
-              <a:rPr lang="zh-CN" altLang="en-US" dirty="0" smtClean="0"/>
-              <a:t>如</a:t>
-            </a:r>
-            <a:endParaRPr lang="en-US" altLang="zh-CN" dirty="0" smtClean="0"/>
-          </a:p>
-          <a:p>
-            <a:pPr lvl="1"/>
-            <a:r>
-              <a:rPr lang="en-US" altLang="zh-CN" dirty="0">
-                <a:hlinkClick r:id="rId4"/>
-              </a:rPr>
-              <a:t>http://demo.com</a:t>
-            </a:r>
-            <a:r>
-              <a:rPr lang="en-US" altLang="zh-CN" dirty="0" smtClean="0">
-                <a:hlinkClick r:id="rId4"/>
-              </a:rPr>
-              <a:t>/</a:t>
-            </a:r>
-            <a:endParaRPr lang="en-US" altLang="zh-CN" dirty="0" smtClean="0"/>
-          </a:p>
-          <a:p>
-            <a:r>
-              <a:rPr lang="zh-CN" altLang="en-US" dirty="0" smtClean="0"/>
-              <a:t>访问下面</a:t>
-            </a:r>
-            <a:r>
-              <a:rPr lang="en-US" altLang="zh-CN" dirty="0" err="1" smtClean="0"/>
-              <a:t>url</a:t>
-            </a:r>
-            <a:r>
-              <a:rPr lang="zh-CN" altLang="en-US" dirty="0" smtClean="0"/>
-              <a:t>即可查看运行起来的代码</a:t>
-            </a:r>
-            <a:endParaRPr lang="en-US" altLang="zh-CN" dirty="0" smtClean="0"/>
-          </a:p>
-          <a:p>
-            <a:pPr lvl="1"/>
-            <a:r>
-              <a:rPr lang="en-US" altLang="zh-CN" dirty="0" smtClean="0">
-                <a:hlinkClick r:id="rId5"/>
-              </a:rPr>
-              <a:t>http://demo.com/index.html</a:t>
-            </a:r>
-            <a:endParaRPr lang="en-US" altLang="zh-CN" dirty="0" smtClean="0"/>
-          </a:p>
-          <a:p>
-            <a:pPr marL="457200" lvl="1" indent="0">
-              <a:buNone/>
-            </a:pPr>
-            <a:endParaRPr lang="zh-CN" altLang="en-US" dirty="0"/>
-          </a:p>
-        </p:txBody>
-      </p:sp>
+      <p:pic>
+        <p:nvPicPr>
+          <p:cNvPr id="2050" name="Picture 2" descr="C:\Users\kpxu\Desktop\mytouch主流程图.jpg"/>
+          <p:cNvPicPr>
+            <a:picLocks noChangeAspect="1" noChangeArrowheads="1"/>
+          </p:cNvPicPr>
+          <p:nvPr/>
+        </p:nvPicPr>
+        <p:blipFill>
+          <a:blip r:embed="rId3" cstate="print">
+            <a:extLst>
+              <a:ext uri="{28A0092B-C50C-407E-A947-70E740481C1C}">
+                <a14:useLocalDpi xmlns:a14="http://schemas.microsoft.com/office/drawing/2010/main" val="0"/>
+              </a:ext>
+            </a:extLst>
+          </a:blip>
+          <a:srcRect/>
+          <a:stretch>
+            <a:fillRect/>
+          </a:stretch>
+        </p:blipFill>
+        <p:spPr bwMode="auto">
+          <a:xfrm>
+            <a:off x="1331640" y="1306343"/>
+            <a:ext cx="6768752" cy="5368767"/>
+          </a:xfrm>
+          <a:prstGeom prst="rect">
+            <a:avLst/>
+          </a:prstGeom>
+          <a:noFill/>
+          <a:extLst>
+            <a:ext uri="{909E8E84-426E-40DD-AFC4-6F175D3DCCD1}">
+              <a14:hiddenFill xmlns:a14="http://schemas.microsoft.com/office/drawing/2010/main">
+                <a:solidFill>
+                  <a:srgbClr val="FFFFFF"/>
+                </a:solidFill>
+              </a14:hiddenFill>
+            </a:ext>
+          </a:extLst>
+        </p:spPr>
+      </p:pic>
     </p:spTree>
     <p:extLst>
       <p:ext uri="{BB962C8B-B14F-4D97-AF65-F5344CB8AC3E}">
-        <p14:creationId xmlns:p14="http://schemas.microsoft.com/office/powerpoint/2010/main" val="2474035937"/>
+        <p14:creationId xmlns:p14="http://schemas.microsoft.com/office/powerpoint/2010/main" val="3638242054"/>
       </p:ext>
     </p:extLst>
   </p:cSld>
@@ -5879,123 +5921,238 @@
           <a:p>
             <a:r>
               <a:rPr lang="zh-CN" altLang="en-US" dirty="0" smtClean="0"/>
-              <a:t>部署（</a:t>
-            </a:r>
+              <a:t>框架应用规则</a:t>
+            </a:r>
+            <a:endParaRPr lang="zh-CN" altLang="en-US" dirty="0"/>
+          </a:p>
+        </p:txBody>
+      </p:sp>
+      <p:sp>
+        <p:nvSpPr>
+          <p:cNvPr id="3" name="内容占位符 2"/>
+          <p:cNvSpPr>
+            <a:spLocks noGrp="1"/>
+          </p:cNvSpPr>
+          <p:nvPr>
+            <p:ph idx="1"/>
+          </p:nvPr>
+        </p:nvSpPr>
+        <p:spPr/>
+        <p:txBody>
+          <a:bodyPr>
+            <a:normAutofit fontScale="92500" lnSpcReduction="20000"/>
+          </a:bodyPr>
+          <a:lstStyle/>
+          <a:p>
             <a:r>
               <a:rPr lang="en-US" altLang="zh-CN" dirty="0" smtClean="0"/>
-              <a:t>1</a:t>
-            </a:r>
-            <a:r>
-              <a:rPr lang="zh-CN" altLang="en-US" dirty="0" smtClean="0"/>
-              <a:t>）文件</a:t>
-            </a:r>
-            <a:endParaRPr lang="zh-CN" altLang="en-US" dirty="0"/>
-          </a:p>
-        </p:txBody>
-      </p:sp>
-      <p:sp>
-        <p:nvSpPr>
-          <p:cNvPr id="3" name="内容占位符 2"/>
-          <p:cNvSpPr>
-            <a:spLocks noGrp="1"/>
-          </p:cNvSpPr>
-          <p:nvPr>
-            <p:ph idx="1"/>
-          </p:nvPr>
-        </p:nvSpPr>
-        <p:spPr/>
-        <p:txBody>
-          <a:bodyPr/>
-          <a:lstStyle/>
-          <a:p>
-            <a:r>
-              <a:rPr lang="zh-CN" altLang="en-US" dirty="0" smtClean="0"/>
-              <a:t>将以下文件部署到自己的业务中，建议放在同一个目录下：</a:t>
+              <a:t>hash</a:t>
+            </a:r>
+            <a:r>
+              <a:rPr lang="zh-CN" altLang="en-US" dirty="0"/>
+              <a:t>规则</a:t>
+            </a:r>
+            <a:r>
+              <a:rPr lang="zh-CN" altLang="en-US" dirty="0" smtClean="0"/>
+              <a:t>：</a:t>
             </a:r>
             <a:endParaRPr lang="en-US" altLang="zh-CN" dirty="0" smtClean="0"/>
           </a:p>
           <a:p>
             <a:pPr lvl="1"/>
             <a:r>
+              <a:rPr lang="zh-CN" altLang="en-US" dirty="0"/>
+              <a:t>业务中需要定义</a:t>
+            </a:r>
+            <a:r>
+              <a:rPr lang="en-US" altLang="zh-CN" dirty="0"/>
+              <a:t>module</a:t>
+            </a:r>
+            <a:r>
+              <a:rPr lang="zh-CN" altLang="en-US" dirty="0"/>
+              <a:t>，并将相关页面的处理方法定义为</a:t>
+            </a:r>
+            <a:r>
+              <a:rPr lang="en-US" altLang="zh-CN" dirty="0"/>
+              <a:t>action</a:t>
+            </a:r>
+          </a:p>
+          <a:p>
+            <a:pPr lvl="1"/>
+            <a:r>
+              <a:rPr lang="en-US" altLang="zh-CN" dirty="0" err="1" smtClean="0"/>
+              <a:t>url</a:t>
+            </a:r>
+            <a:r>
+              <a:rPr lang="zh-CN" altLang="en-US" dirty="0" smtClean="0"/>
+              <a:t>的</a:t>
+            </a:r>
+            <a:r>
               <a:rPr lang="en-US" altLang="zh-CN" dirty="0" smtClean="0"/>
-              <a:t>/lib/zepto.sea.js</a:t>
-            </a:r>
-            <a:r>
-              <a:rPr lang="zh-CN" altLang="en-US" dirty="0" smtClean="0"/>
-              <a:t>（直接打包了</a:t>
+              <a:t>#</a:t>
+            </a:r>
+            <a:r>
+              <a:rPr lang="zh-CN" altLang="en-US" dirty="0"/>
+              <a:t>后以</a:t>
+            </a:r>
+            <a:r>
+              <a:rPr lang="en-US" altLang="zh-CN" dirty="0"/>
+              <a:t>key1=value1&amp;key2=value2</a:t>
+            </a:r>
+            <a:r>
+              <a:rPr lang="zh-CN" altLang="en-US" dirty="0"/>
+              <a:t>的格式表示，第一个</a:t>
+            </a:r>
+            <a:r>
+              <a:rPr lang="en-US" altLang="zh-CN" dirty="0"/>
+              <a:t>key</a:t>
+            </a:r>
+            <a:r>
+              <a:rPr lang="zh-CN" altLang="en-US" dirty="0"/>
+              <a:t>表示要调用的</a:t>
+            </a:r>
+            <a:r>
+              <a:rPr lang="en-US" altLang="zh-CN" dirty="0"/>
+              <a:t>module</a:t>
+            </a:r>
+            <a:r>
+              <a:rPr lang="zh-CN" altLang="en-US" dirty="0"/>
+              <a:t>，第一个</a:t>
+            </a:r>
+            <a:r>
+              <a:rPr lang="en-US" altLang="zh-CN" dirty="0"/>
+              <a:t>value</a:t>
+            </a:r>
+            <a:r>
+              <a:rPr lang="zh-CN" altLang="en-US" dirty="0"/>
+              <a:t>表示要调用的</a:t>
+            </a:r>
+            <a:r>
+              <a:rPr lang="en-US" altLang="zh-CN" dirty="0"/>
+              <a:t>action</a:t>
+            </a:r>
+          </a:p>
+          <a:p>
+            <a:pPr lvl="1"/>
+            <a:r>
+              <a:rPr lang="zh-CN" altLang="en-US" dirty="0" smtClean="0"/>
+              <a:t>相应的</a:t>
+            </a:r>
+            <a:r>
+              <a:rPr lang="en-US" altLang="zh-CN" dirty="0" err="1" smtClean="0"/>
+              <a:t>url</a:t>
+            </a:r>
+            <a:r>
+              <a:rPr lang="zh-CN" altLang="en-US" dirty="0" smtClean="0"/>
+              <a:t>：</a:t>
+            </a:r>
+            <a:r>
+              <a:rPr lang="en-US" altLang="zh-CN" dirty="0" err="1"/>
+              <a:t>url#module</a:t>
+            </a:r>
+            <a:r>
+              <a:rPr lang="en-US" altLang="zh-CN" dirty="0"/>
+              <a:t>=action&amp;var1=values1...</a:t>
+            </a:r>
+            <a:endParaRPr lang="en-US" altLang="zh-CN" dirty="0" smtClean="0"/>
+          </a:p>
+          <a:p>
+            <a:r>
+              <a:rPr lang="zh-CN" altLang="en-US" dirty="0" smtClean="0"/>
+              <a:t>具备</a:t>
+            </a:r>
+            <a:r>
+              <a:rPr lang="en-US" altLang="zh-CN" dirty="0"/>
+              <a:t>hash</a:t>
+            </a:r>
+            <a:r>
+              <a:rPr lang="zh-CN" altLang="en-US" dirty="0"/>
+              <a:t>切换前后的析构和构造方法的</a:t>
+            </a:r>
+            <a:r>
+              <a:rPr lang="zh-CN" altLang="en-US" dirty="0" smtClean="0"/>
+              <a:t>检查：</a:t>
+            </a:r>
+            <a:endParaRPr lang="en-US" altLang="zh-CN" dirty="0" smtClean="0"/>
+          </a:p>
+          <a:p>
+            <a:pPr lvl="1"/>
+            <a:r>
+              <a:rPr lang="zh-CN" altLang="en-US" dirty="0" smtClean="0"/>
+              <a:t>构造</a:t>
+            </a:r>
+            <a:r>
+              <a:rPr lang="zh-CN" altLang="en-US" dirty="0"/>
+              <a:t>方法为</a:t>
+            </a:r>
+            <a:r>
+              <a:rPr lang="en-US" altLang="zh-CN" dirty="0"/>
+              <a:t>:</a:t>
+            </a:r>
+            <a:r>
+              <a:rPr lang="en-US" altLang="zh-CN" dirty="0" err="1"/>
+              <a:t>action_construct</a:t>
+            </a:r>
+            <a:r>
+              <a:rPr lang="zh-CN" altLang="en-US" dirty="0" smtClean="0"/>
+              <a:t>，</a:t>
+            </a:r>
+            <a:endParaRPr lang="en-US" altLang="zh-CN" dirty="0" smtClean="0"/>
+          </a:p>
+          <a:p>
+            <a:pPr lvl="1"/>
+            <a:r>
+              <a:rPr lang="zh-CN" altLang="en-US" dirty="0" smtClean="0"/>
+              <a:t>析</a:t>
+            </a:r>
+            <a:r>
+              <a:rPr lang="zh-CN" altLang="en-US" dirty="0"/>
+              <a:t>构方法为</a:t>
+            </a:r>
+            <a:r>
+              <a:rPr lang="en-US" altLang="zh-CN" dirty="0"/>
+              <a:t>:</a:t>
+            </a:r>
+            <a:r>
+              <a:rPr lang="en-US" altLang="zh-CN" dirty="0" err="1"/>
+              <a:t>action_destroy</a:t>
             </a:r>
             <a:r>
               <a:rPr lang="en-US" altLang="zh-CN" dirty="0" smtClean="0"/>
-              <a:t>zepto2.0</a:t>
-            </a:r>
-            <a:r>
-              <a:rPr lang="zh-CN" altLang="en-US" dirty="0" smtClean="0"/>
-              <a:t>和</a:t>
-            </a:r>
-            <a:r>
-              <a:rPr lang="en-US" altLang="zh-CN" dirty="0" smtClean="0"/>
-              <a:t>seajs1.3</a:t>
-            </a:r>
-            <a:r>
-              <a:rPr lang="zh-CN" altLang="en-US" dirty="0" smtClean="0"/>
-              <a:t>）</a:t>
-            </a:r>
+              <a:t>;</a:t>
+            </a:r>
+          </a:p>
+          <a:p>
+            <a:pPr lvl="1"/>
+            <a:r>
+              <a:rPr lang="zh-CN" altLang="en-US" dirty="0" smtClean="0"/>
+              <a:t>构造</a:t>
+            </a:r>
+            <a:r>
+              <a:rPr lang="zh-CN" altLang="en-US" dirty="0"/>
+              <a:t>和析构</a:t>
+            </a:r>
+            <a:r>
+              <a:rPr lang="zh-CN" altLang="en-US" dirty="0" smtClean="0"/>
+              <a:t>函数可</a:t>
+            </a:r>
+            <a:r>
+              <a:rPr lang="zh-CN" altLang="en-US" dirty="0"/>
+              <a:t>用</a:t>
+            </a:r>
+            <a:r>
+              <a:rPr lang="zh-CN" altLang="en-US" dirty="0" smtClean="0"/>
+              <a:t>于如预</a:t>
+            </a:r>
+            <a:r>
+              <a:rPr lang="zh-CN" altLang="en-US" dirty="0"/>
+              <a:t>缓存和资源销毁动作</a:t>
+            </a:r>
+          </a:p>
+          <a:p>
             <a:endParaRPr lang="en-US" altLang="zh-CN" dirty="0"/>
           </a:p>
           <a:p>
-            <a:pPr lvl="1"/>
-            <a:r>
-              <a:rPr lang="en-US" altLang="zh-CN" dirty="0" smtClean="0"/>
-              <a:t>/release/mytouch.js</a:t>
-            </a:r>
-          </a:p>
-          <a:p>
-            <a:pPr lvl="1"/>
-            <a:r>
-              <a:rPr lang="en-US" altLang="zh-CN" dirty="0" smtClean="0"/>
-              <a:t>/</a:t>
-            </a:r>
-            <a:r>
-              <a:rPr lang="en-US" altLang="zh-CN" dirty="0" err="1" smtClean="0"/>
-              <a:t>src</a:t>
-            </a:r>
-            <a:r>
-              <a:rPr lang="en-US" altLang="zh-CN" dirty="0" smtClean="0"/>
-              <a:t>/frame.js</a:t>
-            </a:r>
-          </a:p>
-          <a:p>
-            <a:pPr lvl="1"/>
-            <a:r>
-              <a:rPr lang="en-US" altLang="zh-CN" dirty="0" smtClean="0"/>
-              <a:t>/</a:t>
-            </a:r>
-            <a:r>
-              <a:rPr lang="en-US" altLang="zh-CN" dirty="0" err="1" smtClean="0"/>
-              <a:t>src</a:t>
-            </a:r>
-            <a:r>
-              <a:rPr lang="en-US" altLang="zh-CN" dirty="0" smtClean="0"/>
-              <a:t>/data.js</a:t>
-            </a:r>
-          </a:p>
-          <a:p>
-            <a:r>
-              <a:rPr lang="zh-CN" altLang="en-US" dirty="0" smtClean="0"/>
-              <a:t>并增加一个</a:t>
-            </a:r>
-            <a:r>
-              <a:rPr lang="en-US" altLang="zh-CN" dirty="0" smtClean="0"/>
-              <a:t>html</a:t>
-            </a:r>
-            <a:r>
-              <a:rPr lang="zh-CN" altLang="en-US" dirty="0" smtClean="0"/>
-              <a:t>页面，</a:t>
-            </a:r>
-            <a:r>
-              <a:rPr lang="en-US" altLang="zh-CN" dirty="0" smtClean="0"/>
-              <a:t>index.html</a:t>
-            </a:r>
             <a:endParaRPr lang="zh-CN" altLang="en-US" dirty="0"/>
           </a:p>
         </p:txBody>
@@ -6003,20 +6160,13 @@
     </p:spTree>
     <p:extLst>
       <p:ext uri="{BB962C8B-B14F-4D97-AF65-F5344CB8AC3E}">
-        <p14:creationId xmlns:p14="http://schemas.microsoft.com/office/powerpoint/2010/main" val="1057401474"/>
+        <p14:creationId xmlns:p14="http://schemas.microsoft.com/office/powerpoint/2010/main" val="4147331242"/>
       </p:ext>
     </p:extLst>
   </p:cSld>
   <p:clrMapOvr>
     <a:masterClrMapping/>
   </p:clrMapOvr>
-  <p:timing>
-    <p:tnLst>
-      <p:par>
-        <p:cTn id="1" dur="indefinite" restart="never" nodeType="tmRoot"/>
-      </p:par>
-    </p:tnLst>
-  </p:timing>
 </p:sld>
 </file>
 
@@ -6058,11 +6208,15 @@
             </a:r>
             <a:r>
               <a:rPr lang="en-US" altLang="zh-CN" dirty="0" smtClean="0"/>
-              <a:t>2</a:t>
-            </a:r>
-            <a:r>
-              <a:rPr lang="zh-CN" altLang="en-US" dirty="0" smtClean="0"/>
-              <a:t>）引用</a:t>
+              <a:t>1</a:t>
+            </a:r>
+            <a:r>
+              <a:rPr lang="zh-CN" altLang="en-US" dirty="0" smtClean="0"/>
+              <a:t>）</a:t>
+            </a:r>
+            <a:r>
+              <a:rPr lang="en-US" altLang="zh-CN" dirty="0" smtClean="0"/>
+              <a:t>demo</a:t>
             </a:r>
             <a:endParaRPr lang="zh-CN" altLang="en-US" dirty="0"/>
           </a:p>
@@ -6080,63 +6234,98 @@
         </p:nvSpPr>
         <p:spPr/>
         <p:txBody>
-          <a:bodyPr>
-            <a:normAutofit fontScale="92500" lnSpcReduction="10000"/>
-          </a:bodyPr>
-          <a:lstStyle/>
-          <a:p>
-            <a:r>
-              <a:rPr lang="zh-CN" altLang="en-US" dirty="0" smtClean="0"/>
-              <a:t>在页面中引用</a:t>
+          <a:bodyPr/>
+          <a:lstStyle/>
+          <a:p>
+            <a:r>
+              <a:rPr lang="en-US" altLang="zh-CN" dirty="0" err="1" smtClean="0"/>
+              <a:t>Github</a:t>
+            </a:r>
+            <a:r>
+              <a:rPr lang="zh-CN" altLang="en-US" dirty="0" smtClean="0"/>
+              <a:t>：</a:t>
+            </a:r>
+            <a:endParaRPr lang="en-US" altLang="zh-CN" dirty="0" smtClean="0"/>
+          </a:p>
+          <a:p>
+            <a:r>
+              <a:rPr lang="en-US" altLang="zh-CN" dirty="0" smtClean="0">
+                <a:hlinkClick r:id="rId3"/>
+              </a:rPr>
+              <a:t>https</a:t>
+            </a:r>
+            <a:r>
+              <a:rPr lang="en-US" altLang="zh-CN" dirty="0">
+                <a:hlinkClick r:id="rId3"/>
+              </a:rPr>
+              <a:t>://github.com/eccued/mytouch</a:t>
+            </a:r>
+            <a:endParaRPr lang="en-US" altLang="zh-CN" dirty="0" smtClean="0"/>
+          </a:p>
+          <a:p>
+            <a:r>
+              <a:rPr lang="zh-CN" altLang="en-US" dirty="0" smtClean="0"/>
+              <a:t>下载整个包</a:t>
+            </a:r>
+            <a:endParaRPr lang="en-US" altLang="zh-CN" dirty="0" smtClean="0"/>
+          </a:p>
+          <a:p>
+            <a:r>
+              <a:rPr lang="zh-CN" altLang="en-US" dirty="0" smtClean="0"/>
+              <a:t>将</a:t>
+            </a:r>
+            <a:r>
+              <a:rPr lang="zh-CN" altLang="en-US" dirty="0" smtClean="0"/>
+              <a:t>整个目录上传到任一个域名下面</a:t>
             </a:r>
             <a:r>
               <a:rPr lang="en-US" altLang="zh-CN" dirty="0" smtClean="0"/>
-              <a:t>zepto.sea.js</a:t>
-            </a:r>
-            <a:r>
-              <a:rPr lang="zh-CN" altLang="en-US" dirty="0" smtClean="0"/>
-              <a:t>、</a:t>
-            </a:r>
-            <a:r>
-              <a:rPr lang="en-US" altLang="zh-CN" dirty="0" smtClean="0"/>
-              <a:t>mytouch.js</a:t>
-            </a:r>
-          </a:p>
-          <a:p>
-            <a:r>
-              <a:rPr lang="zh-CN" altLang="en-US" dirty="0" smtClean="0"/>
-              <a:t>页面中增加</a:t>
+              <a:t>,</a:t>
+            </a:r>
+            <a:r>
+              <a:rPr lang="zh-CN" altLang="en-US" dirty="0" smtClean="0"/>
+              <a:t>如</a:t>
+            </a:r>
+            <a:endParaRPr lang="en-US" altLang="zh-CN" dirty="0" smtClean="0"/>
+          </a:p>
+          <a:p>
+            <a:pPr lvl="1"/>
+            <a:r>
+              <a:rPr lang="en-US" altLang="zh-CN" dirty="0">
+                <a:hlinkClick r:id="rId4"/>
+              </a:rPr>
+              <a:t>http://demo.com</a:t>
+            </a:r>
+            <a:r>
+              <a:rPr lang="en-US" altLang="zh-CN" dirty="0" smtClean="0">
+                <a:hlinkClick r:id="rId4"/>
+              </a:rPr>
+              <a:t>/</a:t>
+            </a:r>
+            <a:endParaRPr lang="en-US" altLang="zh-CN" dirty="0" smtClean="0"/>
+          </a:p>
+          <a:p>
+            <a:r>
+              <a:rPr lang="zh-CN" altLang="en-US" dirty="0" smtClean="0"/>
+              <a:t>访问下面</a:t>
             </a:r>
             <a:r>
               <a:rPr lang="en-US" altLang="zh-CN" dirty="0" err="1" smtClean="0"/>
-              <a:t>alisa</a:t>
-            </a:r>
-            <a:r>
-              <a:rPr lang="zh-CN" altLang="en-US" dirty="0" smtClean="0"/>
-              <a:t>配置，指定</a:t>
-            </a:r>
-            <a:r>
-              <a:rPr lang="en-US" altLang="zh-CN" dirty="0" smtClean="0"/>
-              <a:t>data</a:t>
-            </a:r>
-            <a:r>
-              <a:rPr lang="zh-CN" altLang="en-US" dirty="0" smtClean="0"/>
-              <a:t>和</a:t>
-            </a:r>
-            <a:r>
-              <a:rPr lang="en-US" altLang="zh-CN" dirty="0" smtClean="0"/>
-              <a:t>frame</a:t>
-            </a:r>
-            <a:r>
-              <a:rPr lang="zh-CN" altLang="en-US" dirty="0" smtClean="0"/>
-              <a:t>的别名</a:t>
+              <a:t>url</a:t>
+            </a:r>
+            <a:r>
+              <a:rPr lang="zh-CN" altLang="en-US" dirty="0" smtClean="0"/>
+              <a:t>即可查看运行起来的代码</a:t>
             </a:r>
             <a:endParaRPr lang="en-US" altLang="zh-CN" dirty="0" smtClean="0"/>
           </a:p>
           <a:p>
-            <a:r>
-              <a:rPr lang="zh-CN" altLang="en-US" dirty="0" smtClean="0"/>
-              <a:t>增加两个全局变量，指定业务框架的路径和首页模块的路径。</a:t>
+            <a:pPr lvl="1"/>
+            <a:r>
+              <a:rPr lang="en-US" altLang="zh-CN" dirty="0" smtClean="0">
+                <a:hlinkClick r:id="rId5"/>
+              </a:rPr>
+              <a:t>http://demo.com/index.html</a:t>
             </a:r>
             <a:endParaRPr lang="en-US" altLang="zh-CN" dirty="0" smtClean="0"/>
           </a:p>
@@ -6144,147 +6333,14 @@
             <a:pPr marL="457200" lvl="1" indent="0">
               <a:buNone/>
             </a:pPr>
-            <a:r>
-              <a:rPr lang="en-US" altLang="zh-CN" sz="1500" dirty="0" smtClean="0"/>
-              <a:t>&lt;script&gt;</a:t>
-            </a:r>
-            <a:endParaRPr lang="en-US" altLang="zh-CN" sz="1500" dirty="0" smtClean="0"/>
-          </a:p>
-          <a:p>
-            <a:pPr marL="457200" lvl="1" indent="0">
-              <a:buNone/>
-            </a:pPr>
-            <a:r>
-              <a:rPr lang="en-US" altLang="zh-CN" sz="1500" dirty="0" err="1" smtClean="0"/>
-              <a:t>seajs.config</a:t>
-            </a:r>
-            <a:r>
-              <a:rPr lang="en-US" altLang="zh-CN" sz="1500" dirty="0" smtClean="0"/>
-              <a:t>({</a:t>
-            </a:r>
-          </a:p>
-          <a:p>
-            <a:pPr marL="457200" lvl="1" indent="0">
-              <a:buNone/>
-            </a:pPr>
-            <a:r>
-              <a:rPr lang="en-US" altLang="zh-CN" sz="1500" dirty="0" smtClean="0"/>
-              <a:t>	alias:{</a:t>
-            </a:r>
-          </a:p>
-          <a:p>
-            <a:pPr marL="457200" lvl="1" indent="0">
-              <a:buNone/>
-            </a:pPr>
-            <a:r>
-              <a:rPr lang="en-US" altLang="zh-CN" sz="1500" dirty="0" smtClean="0"/>
-              <a:t>		"</a:t>
-            </a:r>
-            <a:r>
-              <a:rPr lang="en-US" altLang="zh-CN" sz="1500" dirty="0" err="1" smtClean="0"/>
-              <a:t>data":"http</a:t>
-            </a:r>
-            <a:r>
-              <a:rPr lang="en-US" altLang="zh-CN" sz="1500" dirty="0" smtClean="0"/>
-              <a:t>://url/js/data.js",</a:t>
-            </a:r>
-          </a:p>
-          <a:p>
-            <a:pPr marL="457200" lvl="1" indent="0">
-              <a:buNone/>
-            </a:pPr>
-            <a:r>
-              <a:rPr lang="en-US" altLang="zh-CN" sz="1500" dirty="0" smtClean="0"/>
-              <a:t>		"</a:t>
-            </a:r>
-            <a:r>
-              <a:rPr lang="en-US" altLang="zh-CN" sz="1500" dirty="0" err="1" smtClean="0"/>
-              <a:t>frame":"http</a:t>
-            </a:r>
-            <a:r>
-              <a:rPr lang="en-US" altLang="zh-CN" sz="1500" dirty="0" smtClean="0"/>
-              <a:t>://url/js/frame.js",</a:t>
-            </a:r>
-          </a:p>
-          <a:p>
-            <a:pPr marL="457200" lvl="1" indent="0">
-              <a:buNone/>
-            </a:pPr>
-            <a:r>
-              <a:rPr lang="en-US" altLang="zh-CN" sz="1500" dirty="0" smtClean="0"/>
-              <a:t>	},</a:t>
-            </a:r>
-          </a:p>
-          <a:p>
-            <a:pPr marL="457200" lvl="1" indent="0">
-              <a:buNone/>
-            </a:pPr>
-            <a:r>
-              <a:rPr lang="en-US" altLang="zh-CN" sz="1500" dirty="0" smtClean="0"/>
-              <a:t>});</a:t>
-            </a:r>
-            <a:endParaRPr lang="en-US" altLang="zh-CN" sz="1500" dirty="0" smtClean="0"/>
-          </a:p>
-          <a:p>
-            <a:pPr marL="457200" lvl="1" indent="0">
-              <a:buNone/>
-            </a:pPr>
-            <a:r>
-              <a:rPr lang="en-US" altLang="zh-CN" sz="1500" dirty="0" err="1" smtClean="0"/>
-              <a:t>mytouch_frame</a:t>
-            </a:r>
-            <a:r>
-              <a:rPr lang="en-US" altLang="zh-CN" sz="1500" dirty="0"/>
-              <a:t>="frame/</a:t>
-            </a:r>
-            <a:r>
-              <a:rPr lang="en-US" altLang="zh-CN" sz="1500" dirty="0" err="1"/>
-              <a:t>init</a:t>
-            </a:r>
-            <a:r>
-              <a:rPr lang="en-US" altLang="zh-CN" sz="1500" dirty="0"/>
-              <a:t>";</a:t>
-            </a:r>
-          </a:p>
-          <a:p>
-            <a:pPr marL="457200" lvl="1" indent="0">
-              <a:buNone/>
-            </a:pPr>
-            <a:r>
-              <a:rPr lang="en-US" altLang="zh-CN" sz="1500" dirty="0" err="1"/>
-              <a:t>mytouch_main</a:t>
-            </a:r>
-            <a:r>
-              <a:rPr lang="en-US" altLang="zh-CN" sz="1500" dirty="0"/>
-              <a:t>="frame/index</a:t>
-            </a:r>
-            <a:r>
-              <a:rPr lang="en-US" altLang="zh-CN" sz="1500" dirty="0" smtClean="0"/>
-              <a:t>";</a:t>
-            </a:r>
-          </a:p>
-          <a:p>
-            <a:pPr marL="457200" lvl="1" indent="0">
-              <a:buNone/>
-            </a:pPr>
-            <a:r>
-              <a:rPr lang="en-US" altLang="zh-CN" sz="1500" dirty="0" smtClean="0"/>
-              <a:t>&lt;/script&gt;</a:t>
-            </a:r>
-            <a:endParaRPr lang="en-US" altLang="zh-CN" sz="1500" dirty="0"/>
-          </a:p>
-          <a:p>
-            <a:pPr marL="457200" lvl="1" indent="0">
-              <a:buNone/>
-            </a:pPr>
-            <a:endParaRPr lang="en-US" altLang="zh-CN" sz="3200" dirty="0"/>
+            <a:endParaRPr lang="zh-CN" altLang="en-US" dirty="0"/>
           </a:p>
         </p:txBody>
       </p:sp>
     </p:spTree>
     <p:extLst>
       <p:ext uri="{BB962C8B-B14F-4D97-AF65-F5344CB8AC3E}">
-        <p14:creationId xmlns:p14="http://schemas.microsoft.com/office/powerpoint/2010/main" val="2817612789"/>
+        <p14:creationId xmlns:p14="http://schemas.microsoft.com/office/powerpoint/2010/main" val="2474035937"/>
       </p:ext>
     </p:extLst>
   </p:cSld>
@@ -6332,11 +6388,11 @@
             </a:r>
             <a:r>
               <a:rPr lang="en-US" altLang="zh-CN" dirty="0" smtClean="0"/>
-              <a:t>3</a:t>
-            </a:r>
-            <a:r>
-              <a:rPr lang="zh-CN" altLang="en-US" dirty="0" smtClean="0"/>
-              <a:t>）业务入口</a:t>
+              <a:t>1</a:t>
+            </a:r>
+            <a:r>
+              <a:rPr lang="zh-CN" altLang="en-US" dirty="0" smtClean="0"/>
+              <a:t>）文件</a:t>
             </a:r>
             <a:endParaRPr lang="zh-CN" altLang="en-US" dirty="0"/>
           </a:p>
@@ -6354,149 +6410,97 @@
         </p:nvSpPr>
         <p:spPr/>
         <p:txBody>
-          <a:bodyPr>
-            <a:normAutofit fontScale="92500" lnSpcReduction="10000"/>
-          </a:bodyPr>
-          <a:lstStyle/>
-          <a:p>
-            <a:r>
-              <a:rPr lang="zh-CN" altLang="en-US" dirty="0" smtClean="0"/>
-              <a:t>查看</a:t>
+          <a:bodyPr/>
+          <a:lstStyle/>
+          <a:p>
+            <a:r>
+              <a:rPr lang="zh-CN" altLang="en-US" dirty="0" smtClean="0"/>
+              <a:t>将以下文件部署到自己的业务中，建议放在同一个目录下：</a:t>
+            </a:r>
+            <a:endParaRPr lang="en-US" altLang="zh-CN" dirty="0" smtClean="0"/>
+          </a:p>
+          <a:p>
+            <a:pPr lvl="1"/>
+            <a:r>
+              <a:rPr lang="en-US" altLang="zh-CN" dirty="0"/>
+              <a:t>/</a:t>
             </a:r>
             <a:r>
               <a:rPr lang="en-US" altLang="zh-CN" dirty="0" smtClean="0"/>
-              <a:t>frame</a:t>
-            </a:r>
-            <a:r>
-              <a:rPr lang="zh-CN" altLang="en-US" dirty="0" smtClean="0"/>
-              <a:t>里面的代码可以发现</a:t>
-            </a:r>
-            <a:r>
-              <a:rPr lang="zh-CN" altLang="en-US" dirty="0"/>
-              <a:t>：</a:t>
-            </a:r>
-            <a:r>
-              <a:rPr lang="zh-CN" altLang="en-US" dirty="0" smtClean="0"/>
-              <a:t>这里面就是存放业务逻辑的代码，这是整个业务的入口，全局级别的代码都在这里实现。</a:t>
+              <a:t>lib/modulejs.js</a:t>
+            </a:r>
+          </a:p>
+          <a:p>
+            <a:pPr lvl="1"/>
+            <a:r>
+              <a:rPr lang="en-US" altLang="zh-CN" dirty="0" smtClean="0"/>
+              <a:t>/lib/zepto.js</a:t>
+            </a:r>
+            <a:endParaRPr lang="en-US" altLang="zh-CN" dirty="0"/>
+          </a:p>
+          <a:p>
+            <a:pPr lvl="1"/>
+            <a:r>
+              <a:rPr lang="en-US" altLang="zh-CN" dirty="0" smtClean="0"/>
+              <a:t>/mytouch.js</a:t>
             </a:r>
             <a:endParaRPr lang="en-US" altLang="zh-CN" dirty="0" smtClean="0"/>
           </a:p>
           <a:p>
             <a:pPr lvl="1"/>
             <a:r>
-              <a:rPr lang="zh-CN" altLang="en-US" dirty="0" smtClean="0"/>
-              <a:t>全局的入口方法就是前面定义的</a:t>
-            </a:r>
-            <a:r>
               <a:rPr lang="en-US" altLang="zh-CN" dirty="0" smtClean="0"/>
-              <a:t>frame</a:t>
-            </a:r>
-            <a:r>
-              <a:rPr lang="zh-CN" altLang="en-US" dirty="0" smtClean="0"/>
-              <a:t>方法</a:t>
-            </a:r>
-            <a:endParaRPr lang="en-US" altLang="zh-CN" dirty="0" smtClean="0"/>
-          </a:p>
-          <a:p>
-            <a:pPr marL="457200" lvl="1" indent="0">
-              <a:buNone/>
-            </a:pPr>
-            <a:r>
-              <a:rPr lang="en-US" altLang="zh-CN" dirty="0"/>
-              <a:t>	</a:t>
+              <a:t>/</a:t>
             </a:r>
             <a:r>
               <a:rPr lang="en-US" altLang="zh-CN" dirty="0" err="1" smtClean="0"/>
-              <a:t>mytouch_frame</a:t>
+              <a:t>src</a:t>
             </a:r>
             <a:r>
               <a:rPr lang="en-US" altLang="zh-CN" dirty="0" smtClean="0"/>
-              <a:t>="frame/</a:t>
+              <a:t>/frame.js</a:t>
+            </a:r>
+          </a:p>
+          <a:p>
+            <a:pPr lvl="1"/>
+            <a:r>
+              <a:rPr lang="en-US" altLang="zh-CN" dirty="0" smtClean="0"/>
+              <a:t>/</a:t>
             </a:r>
             <a:r>
               <a:rPr lang="en-US" altLang="zh-CN" dirty="0" err="1" smtClean="0"/>
-              <a:t>init</a:t>
+              <a:t>src</a:t>
             </a:r>
             <a:r>
               <a:rPr lang="en-US" altLang="zh-CN" dirty="0" smtClean="0"/>
-              <a:t>";</a:t>
-            </a:r>
-          </a:p>
-          <a:p>
-            <a:pPr lvl="1"/>
+              <a:t>/data.js</a:t>
+            </a:r>
+          </a:p>
+          <a:p>
+            <a:r>
+              <a:rPr lang="zh-CN" altLang="en-US" dirty="0" smtClean="0"/>
+              <a:t>并增加一个</a:t>
+            </a:r>
             <a:r>
               <a:rPr lang="en-US" altLang="zh-CN" dirty="0" smtClean="0"/>
-              <a:t>Frame</a:t>
-            </a:r>
-            <a:r>
-              <a:rPr lang="zh-CN" altLang="en-US" dirty="0" smtClean="0"/>
-              <a:t>方法执行完以后就会立即调用</a:t>
+              <a:t>html</a:t>
+            </a:r>
+            <a:r>
+              <a:rPr lang="zh-CN" altLang="en-US" dirty="0" smtClean="0"/>
+              <a:t>页面，</a:t>
             </a:r>
             <a:r>
               <a:rPr lang="en-US" altLang="zh-CN" dirty="0" smtClean="0"/>
-              <a:t>main</a:t>
-            </a:r>
-            <a:r>
-              <a:rPr lang="zh-CN" altLang="en-US" dirty="0" smtClean="0"/>
-              <a:t>方法</a:t>
-            </a:r>
-            <a:endParaRPr lang="en-US" altLang="zh-CN" dirty="0" smtClean="0"/>
-          </a:p>
-          <a:p>
-            <a:pPr marL="457200" lvl="1" indent="0">
-              <a:buNone/>
-            </a:pPr>
-            <a:r>
-              <a:rPr lang="en-US" altLang="zh-CN" dirty="0" smtClean="0"/>
-              <a:t>	</a:t>
-            </a:r>
-            <a:r>
-              <a:rPr lang="en-US" altLang="zh-CN" dirty="0" err="1" smtClean="0"/>
-              <a:t>mytouch_main</a:t>
-            </a:r>
-            <a:r>
-              <a:rPr lang="en-US" altLang="zh-CN" dirty="0" smtClean="0"/>
-              <a:t>="frame/index";</a:t>
-            </a:r>
-            <a:endParaRPr lang="en-US" altLang="zh-CN" dirty="0" smtClean="0"/>
-          </a:p>
-          <a:p>
-            <a:r>
-              <a:rPr lang="zh-CN" altLang="en-US" dirty="0" smtClean="0"/>
-              <a:t>除了</a:t>
-            </a:r>
-            <a:r>
-              <a:rPr lang="en-US" altLang="zh-CN" dirty="0" smtClean="0"/>
-              <a:t>frame</a:t>
-            </a:r>
-            <a:r>
-              <a:rPr lang="zh-CN" altLang="en-US" dirty="0" smtClean="0"/>
-              <a:t>之外我们可以新增其他的</a:t>
-            </a:r>
-            <a:r>
-              <a:rPr lang="en-US" altLang="zh-CN" dirty="0" err="1" smtClean="0"/>
-              <a:t>moudel</a:t>
-            </a:r>
-            <a:r>
-              <a:rPr lang="zh-CN" altLang="en-US" dirty="0" smtClean="0"/>
-              <a:t>文件，用来实现其他的业务功能。书写时只需要在</a:t>
-            </a:r>
-            <a:r>
-              <a:rPr lang="en-US" altLang="zh-CN" dirty="0" err="1" smtClean="0"/>
-              <a:t>alisa</a:t>
-            </a:r>
-            <a:r>
-              <a:rPr lang="zh-CN" altLang="en-US" dirty="0" smtClean="0"/>
-              <a:t>中新增其他的别名即可。</a:t>
-            </a:r>
-            <a:endParaRPr lang="en-US" altLang="zh-CN" dirty="0" smtClean="0"/>
+              <a:t>index.html</a:t>
+            </a:r>
+            <a:endParaRPr lang="zh-CN" altLang="en-US" dirty="0"/>
           </a:p>
         </p:txBody>
       </p:sp>
     </p:spTree>
     <p:extLst>
       <p:ext uri="{BB962C8B-B14F-4D97-AF65-F5344CB8AC3E}">
-        <p14:creationId xmlns:p14="http://schemas.microsoft.com/office/powerpoint/2010/main" val="403784955"/>
+        <p14:creationId xmlns:p14="http://schemas.microsoft.com/office/powerpoint/2010/main" val="1057401474"/>
       </p:ext>
     </p:extLst>
   </p:cSld>
@@ -6551,11 +6555,11 @@
             </a:r>
             <a:r>
               <a:rPr lang="en-US" altLang="zh-CN" dirty="0" smtClean="0"/>
-              <a:t>4</a:t>
-            </a:r>
-            <a:r>
-              <a:rPr lang="zh-CN" altLang="en-US" dirty="0" smtClean="0"/>
-              <a:t>）数据模块</a:t>
+              <a:t>2</a:t>
+            </a:r>
+            <a:r>
+              <a:rPr lang="zh-CN" altLang="en-US" dirty="0" smtClean="0"/>
+              <a:t>）引用</a:t>
             </a:r>
             <a:endParaRPr lang="zh-CN" altLang="en-US" dirty="0"/>
           </a:p>
@@ -6573,57 +6577,265 @@
         </p:nvSpPr>
         <p:spPr/>
         <p:txBody>
-          <a:bodyPr/>
-          <a:lstStyle/>
-          <a:p>
+          <a:bodyPr>
+            <a:normAutofit lnSpcReduction="10000"/>
+          </a:bodyPr>
+          <a:lstStyle/>
+          <a:p>
+            <a:r>
+              <a:rPr lang="zh-CN" altLang="en-US" dirty="0" smtClean="0"/>
+              <a:t>在页面中</a:t>
+            </a:r>
+            <a:r>
+              <a:rPr lang="zh-CN" altLang="en-US" dirty="0" smtClean="0"/>
+              <a:t>引用</a:t>
+            </a:r>
             <a:r>
               <a:rPr lang="en-US" altLang="zh-CN" dirty="0" smtClean="0"/>
-              <a:t>Data</a:t>
-            </a:r>
-            <a:r>
-              <a:rPr lang="zh-CN" altLang="en-US" dirty="0" smtClean="0"/>
-              <a:t>模块是我们的数据中心，里面封装了基本的远程数据操作以及缓存管理逻辑，他是非必要模块。开发可以用自己的方式实现数据管理</a:t>
+              <a:t>modulejs</a:t>
+            </a:r>
+            <a:r>
+              <a:rPr lang="en-US" altLang="zh-CN" dirty="0" smtClean="0"/>
+              <a:t>.js</a:t>
+            </a:r>
+            <a:r>
+              <a:rPr lang="zh-CN" altLang="en-US" dirty="0" smtClean="0"/>
+              <a:t>、</a:t>
+            </a:r>
+            <a:r>
+              <a:rPr lang="en-US" altLang="zh-CN" dirty="0" smtClean="0"/>
+              <a:t>mytouch.js</a:t>
+            </a:r>
+          </a:p>
+          <a:p>
+            <a:r>
+              <a:rPr lang="zh-CN" altLang="en-US" dirty="0" smtClean="0"/>
+              <a:t>在</a:t>
+            </a:r>
+            <a:r>
+              <a:rPr lang="en-US" altLang="zh-CN" dirty="0" err="1" smtClean="0"/>
+              <a:t>js</a:t>
+            </a:r>
+            <a:r>
+              <a:rPr lang="zh-CN" altLang="en-US" dirty="0" smtClean="0"/>
+              <a:t>引用前增加如下配置参数：</a:t>
             </a:r>
             <a:endParaRPr lang="en-US" altLang="zh-CN" dirty="0" smtClean="0"/>
           </a:p>
           <a:p>
-            <a:r>
-              <a:rPr lang="en-US" altLang="zh-CN" dirty="0" smtClean="0"/>
-              <a:t>Data</a:t>
-            </a:r>
-            <a:r>
-              <a:rPr lang="zh-CN" altLang="en-US" dirty="0" smtClean="0"/>
-              <a:t>模块里面主要用来实现业务中与远端数据接口交互的逻辑。以及将这些拉取到的数据放入缓存中管理。</a:t>
-            </a:r>
-            <a:endParaRPr lang="en-US" altLang="zh-CN" dirty="0" smtClean="0"/>
-          </a:p>
-          <a:p>
-            <a:r>
-              <a:rPr lang="zh-CN" altLang="en-US" dirty="0" smtClean="0"/>
-              <a:t>具体的实现可以查看</a:t>
-            </a:r>
-            <a:r>
-              <a:rPr lang="en-US" altLang="zh-CN" dirty="0" smtClean="0"/>
-              <a:t>data.js</a:t>
-            </a:r>
-            <a:r>
-              <a:rPr lang="zh-CN" altLang="en-US" dirty="0" smtClean="0"/>
-              <a:t>代码</a:t>
-            </a:r>
-            <a:endParaRPr lang="en-US" altLang="zh-CN" dirty="0" smtClean="0"/>
-          </a:p>
-          <a:p>
-            <a:endParaRPr lang="zh-CN" altLang="en-US" dirty="0" smtClean="0"/>
-          </a:p>
-          <a:p>
-            <a:endParaRPr lang="zh-CN" altLang="en-US" dirty="0"/>
+            <a:pPr marL="457200" lvl="1" indent="0">
+              <a:buNone/>
+            </a:pPr>
+            <a:r>
+              <a:rPr lang="en-US" altLang="zh-CN" sz="1500" dirty="0" smtClean="0"/>
+              <a:t>&lt;script&gt;</a:t>
+            </a:r>
+          </a:p>
+          <a:p>
+            <a:pPr marL="457200" lvl="1" indent="0">
+              <a:buNone/>
+            </a:pPr>
+            <a:r>
+              <a:rPr lang="en-US" altLang="zh-CN" sz="1500" dirty="0"/>
+              <a:t>_</a:t>
+            </a:r>
+            <a:r>
+              <a:rPr lang="en-US" altLang="zh-CN" sz="1500" dirty="0" err="1" smtClean="0"/>
+              <a:t>moduleConfig</a:t>
+            </a:r>
+            <a:r>
+              <a:rPr lang="en-US" altLang="zh-CN" sz="1500" dirty="0" smtClean="0"/>
+              <a:t>={</a:t>
+            </a:r>
+            <a:endParaRPr lang="en-US" altLang="zh-CN" sz="1500" dirty="0" smtClean="0"/>
+          </a:p>
+          <a:p>
+            <a:pPr marL="457200" lvl="1" indent="0">
+              <a:buNone/>
+            </a:pPr>
+            <a:r>
+              <a:rPr lang="en-US" altLang="zh-CN" sz="1500" dirty="0" smtClean="0"/>
+              <a:t>	alias:{</a:t>
+            </a:r>
+          </a:p>
+          <a:p>
+            <a:pPr marL="457200" lvl="1" indent="0">
+              <a:buNone/>
+            </a:pPr>
+            <a:r>
+              <a:rPr lang="en-US" altLang="zh-CN" sz="1500" dirty="0" smtClean="0"/>
+              <a:t>		"</a:t>
+            </a:r>
+            <a:r>
+              <a:rPr lang="en-US" altLang="zh-CN" sz="1500" dirty="0" err="1" smtClean="0"/>
+              <a:t>data":"http</a:t>
+            </a:r>
+            <a:r>
+              <a:rPr lang="en-US" altLang="zh-CN" sz="1500" dirty="0" smtClean="0"/>
+              <a:t>://url/js/data.js",</a:t>
+            </a:r>
+          </a:p>
+          <a:p>
+            <a:pPr marL="457200" lvl="1" indent="0">
+              <a:buNone/>
+            </a:pPr>
+            <a:r>
+              <a:rPr lang="en-US" altLang="zh-CN" sz="1500" dirty="0" smtClean="0"/>
+              <a:t>		"</a:t>
+            </a:r>
+            <a:r>
+              <a:rPr lang="en-US" altLang="zh-CN" sz="1500" dirty="0" err="1" smtClean="0"/>
+              <a:t>frame":"http</a:t>
+            </a:r>
+            <a:r>
+              <a:rPr lang="en-US" altLang="zh-CN" sz="1500" dirty="0" smtClean="0"/>
+              <a:t>://url/js/frame.js</a:t>
+            </a:r>
+            <a:r>
+              <a:rPr lang="en-US" altLang="zh-CN" sz="1500" dirty="0" smtClean="0"/>
+              <a:t>",</a:t>
+            </a:r>
+          </a:p>
+          <a:p>
+            <a:pPr marL="457200" lvl="1" indent="0">
+              <a:buNone/>
+            </a:pPr>
+            <a:r>
+              <a:rPr lang="en-US" altLang="zh-CN" sz="1500" dirty="0"/>
+              <a:t>	</a:t>
+            </a:r>
+            <a:r>
+              <a:rPr lang="en-US" altLang="zh-CN" sz="1500" dirty="0" smtClean="0"/>
+              <a:t>	“</a:t>
+            </a:r>
+            <a:r>
+              <a:rPr lang="en-US" altLang="zh-CN" sz="1500" dirty="0" err="1" smtClean="0"/>
+              <a:t>zepto</a:t>
+            </a:r>
+            <a:r>
+              <a:rPr lang="en-US" altLang="zh-CN" sz="1500" dirty="0" smtClean="0"/>
+              <a:t>”:”http://url/js/zepto.js”</a:t>
+            </a:r>
+            <a:endParaRPr lang="en-US" altLang="zh-CN" sz="1500" dirty="0" smtClean="0"/>
+          </a:p>
+          <a:p>
+            <a:pPr marL="457200" lvl="1" indent="0">
+              <a:buNone/>
+            </a:pPr>
+            <a:r>
+              <a:rPr lang="en-US" altLang="zh-CN" sz="1500" dirty="0" smtClean="0"/>
+              <a:t>	},</a:t>
+            </a:r>
+          </a:p>
+          <a:p>
+            <a:pPr marL="457200" lvl="1" indent="0">
+              <a:buNone/>
+            </a:pPr>
+            <a:r>
+              <a:rPr lang="en-US" altLang="zh-CN" sz="1500" dirty="0" smtClean="0"/>
+              <a:t>};</a:t>
+            </a:r>
+            <a:endParaRPr lang="en-US" altLang="zh-CN" sz="1500" dirty="0" smtClean="0"/>
+          </a:p>
+          <a:p>
+            <a:pPr marL="457200" lvl="1" indent="0">
+              <a:buNone/>
+            </a:pPr>
+            <a:r>
+              <a:rPr lang="en-US" altLang="zh-CN" sz="1500" dirty="0" smtClean="0"/>
+              <a:t>_</a:t>
+            </a:r>
+            <a:r>
+              <a:rPr lang="en-US" altLang="zh-CN" sz="1500" dirty="0" err="1"/>
+              <a:t>mytouchConfig</a:t>
+            </a:r>
+            <a:r>
+              <a:rPr lang="en-US" altLang="zh-CN" sz="1500" dirty="0"/>
+              <a:t>={</a:t>
+            </a:r>
+          </a:p>
+          <a:p>
+            <a:pPr marL="457200" lvl="1" indent="0">
+              <a:buNone/>
+            </a:pPr>
+            <a:r>
+              <a:rPr lang="en-US" altLang="zh-CN" sz="1500" dirty="0"/>
+              <a:t>	</a:t>
+            </a:r>
+            <a:r>
+              <a:rPr lang="en-US" altLang="zh-CN" sz="1500" dirty="0" smtClean="0"/>
+              <a:t>frame</a:t>
+            </a:r>
+            <a:r>
+              <a:rPr lang="en-US" altLang="zh-CN" sz="1500" dirty="0"/>
+              <a:t>:["frame","</a:t>
+            </a:r>
+            <a:r>
+              <a:rPr lang="en-US" altLang="zh-CN" sz="1500" dirty="0" err="1" smtClean="0"/>
+              <a:t>init</a:t>
+            </a:r>
+            <a:r>
+              <a:rPr lang="en-US" altLang="zh-CN" sz="1500" dirty="0" smtClean="0"/>
+              <a:t>"],</a:t>
+            </a:r>
+            <a:endParaRPr lang="zh-CN" altLang="en-US" sz="1500" dirty="0" smtClean="0"/>
+          </a:p>
+          <a:p>
+            <a:pPr marL="457200" lvl="1" indent="0">
+              <a:buNone/>
+            </a:pPr>
+            <a:r>
+              <a:rPr lang="zh-CN" altLang="en-US" sz="1500" dirty="0" smtClean="0"/>
+              <a:t>	</a:t>
+            </a:r>
+            <a:r>
+              <a:rPr lang="en-US" altLang="zh-CN" sz="1500" dirty="0" smtClean="0"/>
+              <a:t>index:["</a:t>
+            </a:r>
+            <a:r>
+              <a:rPr lang="en-US" altLang="zh-CN" sz="1500" dirty="0" err="1" smtClean="0"/>
+              <a:t>frame","index</a:t>
+            </a:r>
+            <a:r>
+              <a:rPr lang="en-US" altLang="zh-CN" sz="1500" dirty="0" smtClean="0"/>
+              <a:t>"],</a:t>
+            </a:r>
+          </a:p>
+          <a:p>
+            <a:pPr marL="457200" lvl="1" indent="0">
+              <a:buNone/>
+            </a:pPr>
+            <a:r>
+              <a:rPr lang="en-US" altLang="zh-CN" sz="1500" dirty="0" smtClean="0"/>
+              <a:t>}; </a:t>
+            </a:r>
+          </a:p>
+          <a:p>
+            <a:pPr marL="457200" lvl="1" indent="0">
+              <a:buNone/>
+            </a:pPr>
+            <a:r>
+              <a:rPr lang="en-US" altLang="zh-CN" sz="1500" dirty="0" smtClean="0"/>
+              <a:t>&lt;/</a:t>
+            </a:r>
+            <a:r>
+              <a:rPr lang="en-US" altLang="zh-CN" sz="1500" dirty="0" smtClean="0"/>
+              <a:t>script&gt;</a:t>
+            </a:r>
+            <a:endParaRPr lang="en-US" altLang="zh-CN" sz="1500" dirty="0"/>
+          </a:p>
+          <a:p>
+            <a:pPr marL="457200" lvl="1" indent="0">
+              <a:buNone/>
+            </a:pPr>
+            <a:endParaRPr lang="en-US" altLang="zh-CN" sz="3200" dirty="0"/>
           </a:p>
         </p:txBody>
       </p:sp>
     </p:spTree>
     <p:extLst>
       <p:ext uri="{BB962C8B-B14F-4D97-AF65-F5344CB8AC3E}">
-        <p14:creationId xmlns:p14="http://schemas.microsoft.com/office/powerpoint/2010/main" val="1897382439"/>
+        <p14:creationId xmlns:p14="http://schemas.microsoft.com/office/powerpoint/2010/main" val="2817612789"/>
       </p:ext>
     </p:extLst>
   </p:cSld>
@@ -6666,68 +6878,190 @@
           <a:lstStyle/>
           <a:p>
             <a:r>
+              <a:rPr lang="zh-CN" altLang="en-US" dirty="0" smtClean="0"/>
+              <a:t>部署（</a:t>
+            </a:r>
+            <a:r>
+              <a:rPr lang="en-US" altLang="zh-CN" dirty="0" smtClean="0"/>
+              <a:t>3</a:t>
+            </a:r>
+            <a:r>
+              <a:rPr lang="zh-CN" altLang="en-US" dirty="0" smtClean="0"/>
+              <a:t>）业务入口</a:t>
+            </a:r>
+            <a:endParaRPr lang="zh-CN" altLang="en-US" dirty="0"/>
+          </a:p>
+        </p:txBody>
+      </p:sp>
+      <p:sp>
+        <p:nvSpPr>
+          <p:cNvPr id="3" name="内容占位符 2"/>
+          <p:cNvSpPr>
+            <a:spLocks noGrp="1"/>
+          </p:cNvSpPr>
+          <p:nvPr>
+            <p:ph idx="1"/>
+          </p:nvPr>
+        </p:nvSpPr>
+        <p:spPr/>
+        <p:txBody>
+          <a:bodyPr>
+            <a:normAutofit fontScale="92500" lnSpcReduction="10000"/>
+          </a:bodyPr>
+          <a:lstStyle/>
+          <a:p>
+            <a:r>
+              <a:rPr lang="zh-CN" altLang="en-US" dirty="0" smtClean="0"/>
+              <a:t>查看</a:t>
+            </a:r>
+            <a:r>
+              <a:rPr lang="en-US" altLang="zh-CN" dirty="0" smtClean="0"/>
+              <a:t>frame</a:t>
+            </a:r>
+            <a:r>
+              <a:rPr lang="zh-CN" altLang="en-US" dirty="0" smtClean="0"/>
+              <a:t>里面的代码可以发现</a:t>
+            </a:r>
+            <a:r>
+              <a:rPr lang="zh-CN" altLang="en-US" dirty="0"/>
+              <a:t>：</a:t>
+            </a:r>
+            <a:r>
+              <a:rPr lang="zh-CN" altLang="en-US" dirty="0" smtClean="0"/>
+              <a:t>这里面就是存放业务逻辑的代码，这是整个业务的入口，全局级别的代码都在这里实现。</a:t>
+            </a:r>
+            <a:endParaRPr lang="en-US" altLang="zh-CN" dirty="0" smtClean="0"/>
+          </a:p>
+          <a:p>
+            <a:pPr lvl="1"/>
+            <a:r>
+              <a:rPr lang="zh-CN" altLang="en-US" dirty="0" smtClean="0"/>
+              <a:t>全局的入口方法就是前面定义的</a:t>
+            </a:r>
+            <a:r>
+              <a:rPr lang="en-US" altLang="zh-CN" dirty="0" smtClean="0"/>
+              <a:t>frame</a:t>
+            </a:r>
+            <a:r>
+              <a:rPr lang="zh-CN" altLang="en-US" dirty="0" smtClean="0"/>
+              <a:t>方法</a:t>
+            </a:r>
+            <a:endParaRPr lang="en-US" altLang="zh-CN" dirty="0" smtClean="0"/>
+          </a:p>
+          <a:p>
+            <a:pPr marL="457200" lvl="1" indent="0">
+              <a:buNone/>
+            </a:pPr>
+            <a:r>
+              <a:rPr lang="en-US" altLang="zh-CN" dirty="0"/>
+              <a:t>	</a:t>
+            </a:r>
+            <a:r>
+              <a:rPr lang="en-US" altLang="zh-CN" dirty="0"/>
+              <a:t>frame:["frame","</a:t>
+            </a:r>
+            <a:r>
+              <a:rPr lang="en-US" altLang="zh-CN" dirty="0" err="1"/>
+              <a:t>init</a:t>
+            </a:r>
+            <a:r>
+              <a:rPr lang="en-US" altLang="zh-CN" dirty="0" smtClean="0"/>
+              <a:t>"],</a:t>
+            </a:r>
+            <a:endParaRPr lang="en-US" altLang="zh-CN" dirty="0" smtClean="0"/>
+          </a:p>
+          <a:p>
+            <a:pPr lvl="1"/>
+            <a:r>
+              <a:rPr lang="en-US" altLang="zh-CN" dirty="0" smtClean="0"/>
+              <a:t>Frame</a:t>
+            </a:r>
+            <a:r>
+              <a:rPr lang="zh-CN" altLang="en-US" dirty="0" smtClean="0"/>
+              <a:t>方法执行完以后就会立即调用</a:t>
+            </a:r>
+            <a:r>
+              <a:rPr lang="en-US" altLang="zh-CN" dirty="0" smtClean="0"/>
+              <a:t>main</a:t>
+            </a:r>
+            <a:r>
+              <a:rPr lang="zh-CN" altLang="en-US" dirty="0" smtClean="0"/>
+              <a:t>方法</a:t>
+            </a:r>
+            <a:endParaRPr lang="en-US" altLang="zh-CN" dirty="0" smtClean="0"/>
+          </a:p>
+          <a:p>
+            <a:pPr marL="457200" lvl="1" indent="0">
+              <a:buNone/>
+            </a:pPr>
+            <a:r>
+              <a:rPr lang="en-US" altLang="zh-CN" dirty="0" smtClean="0"/>
+              <a:t>	</a:t>
+            </a:r>
+            <a:r>
+              <a:rPr lang="en-US" altLang="zh-CN" dirty="0"/>
+              <a:t>index:["</a:t>
+            </a:r>
+            <a:r>
+              <a:rPr lang="en-US" altLang="zh-CN" dirty="0" err="1"/>
+              <a:t>frame","index</a:t>
+            </a:r>
+            <a:r>
+              <a:rPr lang="en-US" altLang="zh-CN" dirty="0" smtClean="0"/>
+              <a:t>"]</a:t>
+            </a:r>
+            <a:endParaRPr lang="en-US" altLang="zh-CN" dirty="0" smtClean="0"/>
+          </a:p>
+          <a:p>
+            <a:r>
+              <a:rPr lang="zh-CN" altLang="en-US" dirty="0" smtClean="0"/>
+              <a:t>除了</a:t>
+            </a:r>
+            <a:r>
+              <a:rPr lang="en-US" altLang="zh-CN" dirty="0" smtClean="0"/>
+              <a:t>frame</a:t>
+            </a:r>
+            <a:r>
+              <a:rPr lang="zh-CN" altLang="en-US" dirty="0" smtClean="0"/>
+              <a:t>之外我们可以新增其他的</a:t>
+            </a:r>
+            <a:r>
               <a:rPr lang="en-US" altLang="zh-CN" dirty="0" err="1" smtClean="0"/>
-              <a:t>Mytouch</a:t>
-            </a:r>
-            <a:r>
-              <a:rPr lang="zh-CN" altLang="en-US" dirty="0" smtClean="0"/>
-              <a:t>的主时序图</a:t>
-            </a:r>
-            <a:endParaRPr lang="zh-CN" altLang="en-US" dirty="0"/>
-          </a:p>
-        </p:txBody>
-      </p:sp>
-      <p:pic>
-        <p:nvPicPr>
-          <p:cNvPr id="1028" name="Picture 4" descr="C:\Users\kpxu\Desktop\绘图1.png"/>
-          <p:cNvPicPr>
-            <a:picLocks noChangeAspect="1" noChangeArrowheads="1"/>
-          </p:cNvPicPr>
-          <p:nvPr/>
-        </p:nvPicPr>
-        <p:blipFill>
-          <a:blip r:embed="rId3">
-            <a:extLst>
-              <a:ext uri="{28A0092B-C50C-407E-A947-70E740481C1C}">
-                <a14:useLocalDpi xmlns:a14="http://schemas.microsoft.com/office/drawing/2010/main" val="0"/>
-              </a:ext>
-            </a:extLst>
-          </a:blip>
-          <a:srcRect/>
-          <a:stretch>
-            <a:fillRect/>
-          </a:stretch>
-        </p:blipFill>
-        <p:spPr bwMode="auto">
-          <a:xfrm>
-            <a:off x="1475656" y="1412776"/>
-            <a:ext cx="6336704" cy="5029130"/>
-          </a:xfrm>
-          <a:prstGeom prst="rect">
-            <a:avLst/>
-          </a:prstGeom>
-          <a:noFill/>
-          <a:extLst>
-            <a:ext uri="{909E8E84-426E-40DD-AFC4-6F175D3DCCD1}">
-              <a14:hiddenFill xmlns:a14="http://schemas.microsoft.com/office/drawing/2010/main">
-                <a:solidFill>
-                  <a:srgbClr val="FFFFFF"/>
-                </a:solidFill>
-              </a14:hiddenFill>
-            </a:ext>
-          </a:extLst>
-        </p:spPr>
-      </p:pic>
+              <a:t>moudel</a:t>
+            </a:r>
+            <a:r>
+              <a:rPr lang="zh-CN" altLang="en-US" dirty="0" smtClean="0"/>
+              <a:t>文件，用来实现其他的业务功能。书写时只需要在</a:t>
+            </a:r>
+            <a:r>
+              <a:rPr lang="en-US" altLang="zh-CN" dirty="0" err="1" smtClean="0"/>
+              <a:t>alisa</a:t>
+            </a:r>
+            <a:r>
+              <a:rPr lang="zh-CN" altLang="en-US" dirty="0" smtClean="0"/>
+              <a:t>中新增其他的别名即可。</a:t>
+            </a:r>
+            <a:endParaRPr lang="en-US" altLang="zh-CN" dirty="0" smtClean="0"/>
+          </a:p>
+        </p:txBody>
+      </p:sp>
     </p:spTree>
     <p:extLst>
       <p:ext uri="{BB962C8B-B14F-4D97-AF65-F5344CB8AC3E}">
-        <p14:creationId xmlns:p14="http://schemas.microsoft.com/office/powerpoint/2010/main" val="3638242054"/>
+        <p14:creationId xmlns:p14="http://schemas.microsoft.com/office/powerpoint/2010/main" val="403784955"/>
       </p:ext>
     </p:extLst>
   </p:cSld>
   <p:clrMapOvr>
     <a:masterClrMapping/>
   </p:clrMapOvr>
+  <p:timing>
+    <p:tnLst>
+      <p:par>
+        <p:cTn id="1" dur="indefinite" restart="never" nodeType="tmRoot"/>
+      </p:par>
+    </p:tnLst>
+  </p:timing>
 </p:sld>
 </file>
 
